--- a/docs/Poster.pptx
+++ b/docs/Poster.pptx
@@ -4,6 +4,9 @@
   <p:sldMasterIdLst>
     <p:sldMasterId id="2147483672" r:id="rId1"/>
   </p:sldMasterIdLst>
+  <p:notesMasterIdLst>
+    <p:notesMasterId r:id="rId3"/>
+  </p:notesMasterIdLst>
   <p:sldIdLst>
     <p:sldId id="256" r:id="rId2"/>
   </p:sldIdLst>
@@ -112,6 +115,440 @@
 </p:presentation>
 </file>
 
+<file path=ppt/notesMasters/notesMaster1.xml><?xml version="1.0" encoding="utf-8"?>
+<p:notesMaster xmlns:a="http://schemas.openxmlformats.org/drawingml/2006/main" xmlns:r="http://schemas.openxmlformats.org/officeDocument/2006/relationships" xmlns:p="http://schemas.openxmlformats.org/presentationml/2006/main">
+  <p:cSld>
+    <p:bg>
+      <p:bgRef idx="1001">
+        <a:schemeClr val="bg1"/>
+      </p:bgRef>
+    </p:bg>
+    <p:spTree>
+      <p:nvGrpSpPr>
+        <p:cNvPr id="1" name=""/>
+        <p:cNvGrpSpPr/>
+        <p:nvPr/>
+      </p:nvGrpSpPr>
+      <p:grpSpPr>
+        <a:xfrm>
+          <a:off x="0" y="0"/>
+          <a:ext cx="0" cy="0"/>
+          <a:chOff x="0" y="0"/>
+          <a:chExt cx="0" cy="0"/>
+        </a:xfrm>
+      </p:grpSpPr>
+      <p:sp>
+        <p:nvSpPr>
+          <p:cNvPr id="2" name="Header Placeholder 1"/>
+          <p:cNvSpPr>
+            <a:spLocks noGrp="1"/>
+          </p:cNvSpPr>
+          <p:nvPr>
+            <p:ph type="hdr" sz="quarter"/>
+          </p:nvPr>
+        </p:nvSpPr>
+        <p:spPr>
+          <a:xfrm>
+            <a:off x="0" y="0"/>
+            <a:ext cx="2971800" cy="458788"/>
+          </a:xfrm>
+          <a:prstGeom prst="rect">
+            <a:avLst/>
+          </a:prstGeom>
+        </p:spPr>
+        <p:txBody>
+          <a:bodyPr vert="horz" lIns="91440" tIns="45720" rIns="91440" bIns="45720" rtlCol="0"/>
+          <a:lstStyle>
+            <a:lvl1pPr algn="l">
+              <a:defRPr sz="1200"/>
+            </a:lvl1pPr>
+          </a:lstStyle>
+          <a:p>
+            <a:endParaRPr lang="en-GB"/>
+          </a:p>
+        </p:txBody>
+      </p:sp>
+      <p:sp>
+        <p:nvSpPr>
+          <p:cNvPr id="3" name="Date Placeholder 2"/>
+          <p:cNvSpPr>
+            <a:spLocks noGrp="1"/>
+          </p:cNvSpPr>
+          <p:nvPr>
+            <p:ph type="dt" idx="1"/>
+          </p:nvPr>
+        </p:nvSpPr>
+        <p:spPr>
+          <a:xfrm>
+            <a:off x="3884613" y="0"/>
+            <a:ext cx="2971800" cy="458788"/>
+          </a:xfrm>
+          <a:prstGeom prst="rect">
+            <a:avLst/>
+          </a:prstGeom>
+        </p:spPr>
+        <p:txBody>
+          <a:bodyPr vert="horz" lIns="91440" tIns="45720" rIns="91440" bIns="45720" rtlCol="0"/>
+          <a:lstStyle>
+            <a:lvl1pPr algn="r">
+              <a:defRPr sz="1200"/>
+            </a:lvl1pPr>
+          </a:lstStyle>
+          <a:p>
+            <a:fld id="{CC5DF99D-22AA-4EA6-A84B-6F542AA8615F}" type="datetimeFigureOut">
+              <a:rPr lang="en-GB" smtClean="0"/>
+              <a:t>30/05/2021</a:t>
+            </a:fld>
+            <a:endParaRPr lang="en-GB"/>
+          </a:p>
+        </p:txBody>
+      </p:sp>
+      <p:sp>
+        <p:nvSpPr>
+          <p:cNvPr id="4" name="Slide Image Placeholder 3"/>
+          <p:cNvSpPr>
+            <a:spLocks noGrp="1" noRot="1" noChangeAspect="1"/>
+          </p:cNvSpPr>
+          <p:nvPr>
+            <p:ph type="sldImg" idx="2"/>
+          </p:nvPr>
+        </p:nvSpPr>
+        <p:spPr>
+          <a:xfrm>
+            <a:off x="1247775" y="1143000"/>
+            <a:ext cx="4362450" cy="3086100"/>
+          </a:xfrm>
+          <a:prstGeom prst="rect">
+            <a:avLst/>
+          </a:prstGeom>
+          <a:noFill/>
+          <a:ln w="12700">
+            <a:solidFill>
+              <a:prstClr val="black"/>
+            </a:solidFill>
+          </a:ln>
+        </p:spPr>
+        <p:txBody>
+          <a:bodyPr vert="horz" lIns="91440" tIns="45720" rIns="91440" bIns="45720" rtlCol="0" anchor="ctr"/>
+          <a:lstStyle/>
+          <a:p>
+            <a:endParaRPr lang="en-GB"/>
+          </a:p>
+        </p:txBody>
+      </p:sp>
+      <p:sp>
+        <p:nvSpPr>
+          <p:cNvPr id="5" name="Notes Placeholder 4"/>
+          <p:cNvSpPr>
+            <a:spLocks noGrp="1"/>
+          </p:cNvSpPr>
+          <p:nvPr>
+            <p:ph type="body" sz="quarter" idx="3"/>
+          </p:nvPr>
+        </p:nvSpPr>
+        <p:spPr>
+          <a:xfrm>
+            <a:off x="685800" y="4400550"/>
+            <a:ext cx="5486400" cy="3600450"/>
+          </a:xfrm>
+          <a:prstGeom prst="rect">
+            <a:avLst/>
+          </a:prstGeom>
+        </p:spPr>
+        <p:txBody>
+          <a:bodyPr vert="horz" lIns="91440" tIns="45720" rIns="91440" bIns="45720" rtlCol="0"/>
+          <a:lstStyle/>
+          <a:p>
+            <a:pPr lvl="0"/>
+            <a:r>
+              <a:rPr lang="en-US"/>
+              <a:t>Click to edit Master text styles</a:t>
+            </a:r>
+          </a:p>
+          <a:p>
+            <a:pPr lvl="1"/>
+            <a:r>
+              <a:rPr lang="en-US"/>
+              <a:t>Second level</a:t>
+            </a:r>
+          </a:p>
+          <a:p>
+            <a:pPr lvl="2"/>
+            <a:r>
+              <a:rPr lang="en-US"/>
+              <a:t>Third level</a:t>
+            </a:r>
+          </a:p>
+          <a:p>
+            <a:pPr lvl="3"/>
+            <a:r>
+              <a:rPr lang="en-US"/>
+              <a:t>Fourth level</a:t>
+            </a:r>
+          </a:p>
+          <a:p>
+            <a:pPr lvl="4"/>
+            <a:r>
+              <a:rPr lang="en-US"/>
+              <a:t>Fifth level</a:t>
+            </a:r>
+            <a:endParaRPr lang="en-GB"/>
+          </a:p>
+        </p:txBody>
+      </p:sp>
+      <p:sp>
+        <p:nvSpPr>
+          <p:cNvPr id="6" name="Footer Placeholder 5"/>
+          <p:cNvSpPr>
+            <a:spLocks noGrp="1"/>
+          </p:cNvSpPr>
+          <p:nvPr>
+            <p:ph type="ftr" sz="quarter" idx="4"/>
+          </p:nvPr>
+        </p:nvSpPr>
+        <p:spPr>
+          <a:xfrm>
+            <a:off x="0" y="8685213"/>
+            <a:ext cx="2971800" cy="458787"/>
+          </a:xfrm>
+          <a:prstGeom prst="rect">
+            <a:avLst/>
+          </a:prstGeom>
+        </p:spPr>
+        <p:txBody>
+          <a:bodyPr vert="horz" lIns="91440" tIns="45720" rIns="91440" bIns="45720" rtlCol="0" anchor="b"/>
+          <a:lstStyle>
+            <a:lvl1pPr algn="l">
+              <a:defRPr sz="1200"/>
+            </a:lvl1pPr>
+          </a:lstStyle>
+          <a:p>
+            <a:endParaRPr lang="en-GB"/>
+          </a:p>
+        </p:txBody>
+      </p:sp>
+      <p:sp>
+        <p:nvSpPr>
+          <p:cNvPr id="7" name="Slide Number Placeholder 6"/>
+          <p:cNvSpPr>
+            <a:spLocks noGrp="1"/>
+          </p:cNvSpPr>
+          <p:nvPr>
+            <p:ph type="sldNum" sz="quarter" idx="5"/>
+          </p:nvPr>
+        </p:nvSpPr>
+        <p:spPr>
+          <a:xfrm>
+            <a:off x="3884613" y="8685213"/>
+            <a:ext cx="2971800" cy="458787"/>
+          </a:xfrm>
+          <a:prstGeom prst="rect">
+            <a:avLst/>
+          </a:prstGeom>
+        </p:spPr>
+        <p:txBody>
+          <a:bodyPr vert="horz" lIns="91440" tIns="45720" rIns="91440" bIns="45720" rtlCol="0" anchor="b"/>
+          <a:lstStyle>
+            <a:lvl1pPr algn="r">
+              <a:defRPr sz="1200"/>
+            </a:lvl1pPr>
+          </a:lstStyle>
+          <a:p>
+            <a:fld id="{448935D7-EB62-4770-AB6E-63379D7316C3}" type="slidenum">
+              <a:rPr lang="en-GB" smtClean="0"/>
+              <a:t>‹#›</a:t>
+            </a:fld>
+            <a:endParaRPr lang="en-GB"/>
+          </a:p>
+        </p:txBody>
+      </p:sp>
+    </p:spTree>
+    <p:extLst>
+      <p:ext uri="{BB962C8B-B14F-4D97-AF65-F5344CB8AC3E}">
+        <p14:creationId xmlns:p14="http://schemas.microsoft.com/office/powerpoint/2010/main" val="2150382787"/>
+      </p:ext>
+    </p:extLst>
+  </p:cSld>
+  <p:clrMap bg1="lt1" tx1="dk1" bg2="lt2" tx2="dk2" accent1="accent1" accent2="accent2" accent3="accent3" accent4="accent4" accent5="accent5" accent6="accent6" hlink="hlink" folHlink="folHlink"/>
+  <p:notesStyle>
+    <a:lvl1pPr marL="0" algn="l" defTabSz="914400" rtl="0" eaLnBrk="1" latinLnBrk="0" hangingPunct="1">
+      <a:defRPr sz="1200" kern="1200">
+        <a:solidFill>
+          <a:schemeClr val="tx1"/>
+        </a:solidFill>
+        <a:latin typeface="+mn-lt"/>
+        <a:ea typeface="+mn-ea"/>
+        <a:cs typeface="+mn-cs"/>
+      </a:defRPr>
+    </a:lvl1pPr>
+    <a:lvl2pPr marL="457200" algn="l" defTabSz="914400" rtl="0" eaLnBrk="1" latinLnBrk="0" hangingPunct="1">
+      <a:defRPr sz="1200" kern="1200">
+        <a:solidFill>
+          <a:schemeClr val="tx1"/>
+        </a:solidFill>
+        <a:latin typeface="+mn-lt"/>
+        <a:ea typeface="+mn-ea"/>
+        <a:cs typeface="+mn-cs"/>
+      </a:defRPr>
+    </a:lvl2pPr>
+    <a:lvl3pPr marL="914400" algn="l" defTabSz="914400" rtl="0" eaLnBrk="1" latinLnBrk="0" hangingPunct="1">
+      <a:defRPr sz="1200" kern="1200">
+        <a:solidFill>
+          <a:schemeClr val="tx1"/>
+        </a:solidFill>
+        <a:latin typeface="+mn-lt"/>
+        <a:ea typeface="+mn-ea"/>
+        <a:cs typeface="+mn-cs"/>
+      </a:defRPr>
+    </a:lvl3pPr>
+    <a:lvl4pPr marL="1371600" algn="l" defTabSz="914400" rtl="0" eaLnBrk="1" latinLnBrk="0" hangingPunct="1">
+      <a:defRPr sz="1200" kern="1200">
+        <a:solidFill>
+          <a:schemeClr val="tx1"/>
+        </a:solidFill>
+        <a:latin typeface="+mn-lt"/>
+        <a:ea typeface="+mn-ea"/>
+        <a:cs typeface="+mn-cs"/>
+      </a:defRPr>
+    </a:lvl4pPr>
+    <a:lvl5pPr marL="1828800" algn="l" defTabSz="914400" rtl="0" eaLnBrk="1" latinLnBrk="0" hangingPunct="1">
+      <a:defRPr sz="1200" kern="1200">
+        <a:solidFill>
+          <a:schemeClr val="tx1"/>
+        </a:solidFill>
+        <a:latin typeface="+mn-lt"/>
+        <a:ea typeface="+mn-ea"/>
+        <a:cs typeface="+mn-cs"/>
+      </a:defRPr>
+    </a:lvl5pPr>
+    <a:lvl6pPr marL="2286000" algn="l" defTabSz="914400" rtl="0" eaLnBrk="1" latinLnBrk="0" hangingPunct="1">
+      <a:defRPr sz="1200" kern="1200">
+        <a:solidFill>
+          <a:schemeClr val="tx1"/>
+        </a:solidFill>
+        <a:latin typeface="+mn-lt"/>
+        <a:ea typeface="+mn-ea"/>
+        <a:cs typeface="+mn-cs"/>
+      </a:defRPr>
+    </a:lvl6pPr>
+    <a:lvl7pPr marL="2743200" algn="l" defTabSz="914400" rtl="0" eaLnBrk="1" latinLnBrk="0" hangingPunct="1">
+      <a:defRPr sz="1200" kern="1200">
+        <a:solidFill>
+          <a:schemeClr val="tx1"/>
+        </a:solidFill>
+        <a:latin typeface="+mn-lt"/>
+        <a:ea typeface="+mn-ea"/>
+        <a:cs typeface="+mn-cs"/>
+      </a:defRPr>
+    </a:lvl7pPr>
+    <a:lvl8pPr marL="3200400" algn="l" defTabSz="914400" rtl="0" eaLnBrk="1" latinLnBrk="0" hangingPunct="1">
+      <a:defRPr sz="1200" kern="1200">
+        <a:solidFill>
+          <a:schemeClr val="tx1"/>
+        </a:solidFill>
+        <a:latin typeface="+mn-lt"/>
+        <a:ea typeface="+mn-ea"/>
+        <a:cs typeface="+mn-cs"/>
+      </a:defRPr>
+    </a:lvl8pPr>
+    <a:lvl9pPr marL="3657600" algn="l" defTabSz="914400" rtl="0" eaLnBrk="1" latinLnBrk="0" hangingPunct="1">
+      <a:defRPr sz="1200" kern="1200">
+        <a:solidFill>
+          <a:schemeClr val="tx1"/>
+        </a:solidFill>
+        <a:latin typeface="+mn-lt"/>
+        <a:ea typeface="+mn-ea"/>
+        <a:cs typeface="+mn-cs"/>
+      </a:defRPr>
+    </a:lvl9pPr>
+  </p:notesStyle>
+</p:notesMaster>
+</file>
+
+<file path=ppt/notesSlides/notesSlide1.xml><?xml version="1.0" encoding="utf-8"?>
+<p:notes xmlns:a="http://schemas.openxmlformats.org/drawingml/2006/main" xmlns:r="http://schemas.openxmlformats.org/officeDocument/2006/relationships" xmlns:p="http://schemas.openxmlformats.org/presentationml/2006/main">
+  <p:cSld>
+    <p:spTree>
+      <p:nvGrpSpPr>
+        <p:cNvPr id="1" name=""/>
+        <p:cNvGrpSpPr/>
+        <p:nvPr/>
+      </p:nvGrpSpPr>
+      <p:grpSpPr>
+        <a:xfrm>
+          <a:off x="0" y="0"/>
+          <a:ext cx="0" cy="0"/>
+          <a:chOff x="0" y="0"/>
+          <a:chExt cx="0" cy="0"/>
+        </a:xfrm>
+      </p:grpSpPr>
+      <p:sp>
+        <p:nvSpPr>
+          <p:cNvPr id="2" name="Slide Image Placeholder 1"/>
+          <p:cNvSpPr>
+            <a:spLocks noGrp="1" noRot="1" noChangeAspect="1"/>
+          </p:cNvSpPr>
+          <p:nvPr>
+            <p:ph type="sldImg"/>
+          </p:nvPr>
+        </p:nvSpPr>
+        <p:spPr/>
+      </p:sp>
+      <p:sp>
+        <p:nvSpPr>
+          <p:cNvPr id="3" name="Notes Placeholder 2"/>
+          <p:cNvSpPr>
+            <a:spLocks noGrp="1"/>
+          </p:cNvSpPr>
+          <p:nvPr>
+            <p:ph type="body" idx="1"/>
+          </p:nvPr>
+        </p:nvSpPr>
+        <p:spPr/>
+        <p:txBody>
+          <a:bodyPr/>
+          <a:lstStyle/>
+          <a:p>
+            <a:endParaRPr lang="en-GB" dirty="0"/>
+          </a:p>
+        </p:txBody>
+      </p:sp>
+      <p:sp>
+        <p:nvSpPr>
+          <p:cNvPr id="4" name="Slide Number Placeholder 3"/>
+          <p:cNvSpPr>
+            <a:spLocks noGrp="1"/>
+          </p:cNvSpPr>
+          <p:nvPr>
+            <p:ph type="sldNum" sz="quarter" idx="5"/>
+          </p:nvPr>
+        </p:nvSpPr>
+        <p:spPr/>
+        <p:txBody>
+          <a:bodyPr/>
+          <a:lstStyle/>
+          <a:p>
+            <a:fld id="{448935D7-EB62-4770-AB6E-63379D7316C3}" type="slidenum">
+              <a:rPr lang="en-GB" smtClean="0"/>
+              <a:t>1</a:t>
+            </a:fld>
+            <a:endParaRPr lang="en-GB"/>
+          </a:p>
+        </p:txBody>
+      </p:sp>
+    </p:spTree>
+    <p:extLst>
+      <p:ext uri="{BB962C8B-B14F-4D97-AF65-F5344CB8AC3E}">
+        <p14:creationId xmlns:p14="http://schemas.microsoft.com/office/powerpoint/2010/main" val="295417660"/>
+      </p:ext>
+    </p:extLst>
+  </p:cSld>
+  <p:clrMapOvr>
+    <a:masterClrMapping/>
+  </p:clrMapOvr>
+</p:notes>
+</file>
+
 <file path=ppt/slideLayouts/slideLayout1.xml><?xml version="1.0" encoding="utf-8"?>
 <p:sldLayout xmlns:a="http://schemas.openxmlformats.org/drawingml/2006/main" xmlns:r="http://schemas.openxmlformats.org/officeDocument/2006/relationships" xmlns:p="http://schemas.openxmlformats.org/presentationml/2006/main" type="title" preserve="1">
   <p:cSld name="Title Slide">
@@ -243,7 +680,7 @@
           <a:p>
             <a:fld id="{72964183-1009-4D9A-ADFD-AF16738E0E54}" type="datetimeFigureOut">
               <a:rPr lang="en-GB" smtClean="0"/>
-              <a:t>16/05/2021</a:t>
+              <a:t>30/05/2021</a:t>
             </a:fld>
             <a:endParaRPr lang="en-GB"/>
           </a:p>
@@ -413,7 +850,7 @@
           <a:p>
             <a:fld id="{72964183-1009-4D9A-ADFD-AF16738E0E54}" type="datetimeFigureOut">
               <a:rPr lang="en-GB" smtClean="0"/>
-              <a:t>16/05/2021</a:t>
+              <a:t>30/05/2021</a:t>
             </a:fld>
             <a:endParaRPr lang="en-GB"/>
           </a:p>
@@ -593,7 +1030,7 @@
           <a:p>
             <a:fld id="{72964183-1009-4D9A-ADFD-AF16738E0E54}" type="datetimeFigureOut">
               <a:rPr lang="en-GB" smtClean="0"/>
-              <a:t>16/05/2021</a:t>
+              <a:t>30/05/2021</a:t>
             </a:fld>
             <a:endParaRPr lang="en-GB"/>
           </a:p>
@@ -763,7 +1200,7 @@
           <a:p>
             <a:fld id="{72964183-1009-4D9A-ADFD-AF16738E0E54}" type="datetimeFigureOut">
               <a:rPr lang="en-GB" smtClean="0"/>
-              <a:t>16/05/2021</a:t>
+              <a:t>30/05/2021</a:t>
             </a:fld>
             <a:endParaRPr lang="en-GB"/>
           </a:p>
@@ -1007,7 +1444,7 @@
           <a:p>
             <a:fld id="{72964183-1009-4D9A-ADFD-AF16738E0E54}" type="datetimeFigureOut">
               <a:rPr lang="en-GB" smtClean="0"/>
-              <a:t>16/05/2021</a:t>
+              <a:t>30/05/2021</a:t>
             </a:fld>
             <a:endParaRPr lang="en-GB"/>
           </a:p>
@@ -1239,7 +1676,7 @@
           <a:p>
             <a:fld id="{72964183-1009-4D9A-ADFD-AF16738E0E54}" type="datetimeFigureOut">
               <a:rPr lang="en-GB" smtClean="0"/>
-              <a:t>16/05/2021</a:t>
+              <a:t>30/05/2021</a:t>
             </a:fld>
             <a:endParaRPr lang="en-GB"/>
           </a:p>
@@ -1606,7 +2043,7 @@
           <a:p>
             <a:fld id="{72964183-1009-4D9A-ADFD-AF16738E0E54}" type="datetimeFigureOut">
               <a:rPr lang="en-GB" smtClean="0"/>
-              <a:t>16/05/2021</a:t>
+              <a:t>30/05/2021</a:t>
             </a:fld>
             <a:endParaRPr lang="en-GB"/>
           </a:p>
@@ -1724,7 +2161,7 @@
           <a:p>
             <a:fld id="{72964183-1009-4D9A-ADFD-AF16738E0E54}" type="datetimeFigureOut">
               <a:rPr lang="en-GB" smtClean="0"/>
-              <a:t>16/05/2021</a:t>
+              <a:t>30/05/2021</a:t>
             </a:fld>
             <a:endParaRPr lang="en-GB"/>
           </a:p>
@@ -1819,7 +2256,7 @@
           <a:p>
             <a:fld id="{72964183-1009-4D9A-ADFD-AF16738E0E54}" type="datetimeFigureOut">
               <a:rPr lang="en-GB" smtClean="0"/>
-              <a:t>16/05/2021</a:t>
+              <a:t>30/05/2021</a:t>
             </a:fld>
             <a:endParaRPr lang="en-GB"/>
           </a:p>
@@ -2096,7 +2533,7 @@
           <a:p>
             <a:fld id="{72964183-1009-4D9A-ADFD-AF16738E0E54}" type="datetimeFigureOut">
               <a:rPr lang="en-GB" smtClean="0"/>
-              <a:t>16/05/2021</a:t>
+              <a:t>30/05/2021</a:t>
             </a:fld>
             <a:endParaRPr lang="en-GB"/>
           </a:p>
@@ -2353,7 +2790,7 @@
           <a:p>
             <a:fld id="{72964183-1009-4D9A-ADFD-AF16738E0E54}" type="datetimeFigureOut">
               <a:rPr lang="en-GB" smtClean="0"/>
-              <a:t>16/05/2021</a:t>
+              <a:t>30/05/2021</a:t>
             </a:fld>
             <a:endParaRPr lang="en-GB"/>
           </a:p>
@@ -2566,7 +3003,7 @@
           <a:p>
             <a:fld id="{72964183-1009-4D9A-ADFD-AF16738E0E54}" type="datetimeFigureOut">
               <a:rPr lang="en-GB" smtClean="0"/>
-              <a:t>16/05/2021</a:t>
+              <a:t>30/05/2021</a:t>
             </a:fld>
             <a:endParaRPr lang="en-GB"/>
           </a:p>
@@ -3069,7 +3506,7 @@
                 <a:effectLst/>
                 <a:latin typeface="Arial" panose="020B0604020202020204" pitchFamily="34" charset="0"/>
               </a:rPr>
-              <a:t>Breast Cancer Classification with Capsule Networks</a:t>
+              <a:t>Breast Cancer Classification with Capsules and Convolutional Neural Nets</a:t>
             </a:r>
             <a:endParaRPr lang="en-GB" sz="14400" b="1" dirty="0">
               <a:solidFill>
@@ -3085,572 +3522,6 @@
             <a:extLst>
               <a:ext uri="{FF2B5EF4-FFF2-40B4-BE49-F238E27FC236}">
                 <a16:creationId xmlns:a16="http://schemas.microsoft.com/office/drawing/2014/main" id="{F2843F7B-2B99-42C4-9628-276C57513349}"/>
-              </a:ext>
-            </a:extLst>
-          </p:cNvPr>
-          <p:cNvPicPr>
-            <a:picLocks noChangeAspect="1"/>
-          </p:cNvPicPr>
-          <p:nvPr/>
-        </p:nvPicPr>
-        <p:blipFill>
-          <a:blip r:embed="rId2">
-            <a:extLst>
-              <a:ext uri="{28A0092B-C50C-407E-A947-70E740481C1C}">
-                <a14:useLocalDpi xmlns:a14="http://schemas.microsoft.com/office/drawing/2010/main" val="0"/>
-              </a:ext>
-            </a:extLst>
-          </a:blip>
-          <a:stretch>
-            <a:fillRect/>
-          </a:stretch>
-        </p:blipFill>
-        <p:spPr>
-          <a:xfrm>
-            <a:off x="31508700" y="3449463"/>
-            <a:ext cx="10619581" cy="3985516"/>
-          </a:xfrm>
-          <a:prstGeom prst="rect">
-            <a:avLst/>
-          </a:prstGeom>
-        </p:spPr>
-      </p:pic>
-      <p:sp>
-        <p:nvSpPr>
-          <p:cNvPr id="16" name="TextBox 15">
-            <a:extLst>
-              <a:ext uri="{FF2B5EF4-FFF2-40B4-BE49-F238E27FC236}">
-                <a16:creationId xmlns:a16="http://schemas.microsoft.com/office/drawing/2014/main" id="{8B1E7274-3368-444D-867C-71DFAC5EEBB8}"/>
-              </a:ext>
-            </a:extLst>
-          </p:cNvPr>
-          <p:cNvSpPr txBox="1"/>
-          <p:nvPr/>
-        </p:nvSpPr>
-        <p:spPr>
-          <a:xfrm>
-            <a:off x="675480" y="5442221"/>
-            <a:ext cx="8458200" cy="1107996"/>
-          </a:xfrm>
-          <a:prstGeom prst="rect">
-            <a:avLst/>
-          </a:prstGeom>
-          <a:noFill/>
-        </p:spPr>
-        <p:txBody>
-          <a:bodyPr wrap="square" rtlCol="0">
-            <a:spAutoFit/>
-          </a:bodyPr>
-          <a:lstStyle/>
-          <a:p>
-            <a:r>
-              <a:rPr lang="en-GB" sz="6600" b="1" dirty="0">
-                <a:solidFill>
-                  <a:schemeClr val="bg1"/>
-                </a:solidFill>
-              </a:rPr>
-              <a:t>Marcell Veiner</a:t>
-            </a:r>
-          </a:p>
-        </p:txBody>
-      </p:sp>
-      <p:sp>
-        <p:nvSpPr>
-          <p:cNvPr id="17" name="TextBox 16">
-            <a:extLst>
-              <a:ext uri="{FF2B5EF4-FFF2-40B4-BE49-F238E27FC236}">
-                <a16:creationId xmlns:a16="http://schemas.microsoft.com/office/drawing/2014/main" id="{9476FF87-2996-4C86-B68F-5A7F4AB9DF07}"/>
-              </a:ext>
-            </a:extLst>
-          </p:cNvPr>
-          <p:cNvSpPr txBox="1"/>
-          <p:nvPr/>
-        </p:nvSpPr>
-        <p:spPr>
-          <a:xfrm>
-            <a:off x="675480" y="6360127"/>
-            <a:ext cx="20726401" cy="1107996"/>
-          </a:xfrm>
-          <a:prstGeom prst="rect">
-            <a:avLst/>
-          </a:prstGeom>
-          <a:noFill/>
-        </p:spPr>
-        <p:txBody>
-          <a:bodyPr wrap="square" rtlCol="0">
-            <a:spAutoFit/>
-          </a:bodyPr>
-          <a:lstStyle/>
-          <a:p>
-            <a:r>
-              <a:rPr lang="en-GB" sz="6600" i="1" dirty="0">
-                <a:solidFill>
-                  <a:schemeClr val="bg1"/>
-                </a:solidFill>
-              </a:rPr>
-              <a:t>University of Aberdeen: Department of Computing Science</a:t>
-            </a:r>
-          </a:p>
-        </p:txBody>
-      </p:sp>
-      <p:sp>
-        <p:nvSpPr>
-          <p:cNvPr id="25" name="Rectangle: Rounded Corners 24">
-            <a:extLst>
-              <a:ext uri="{FF2B5EF4-FFF2-40B4-BE49-F238E27FC236}">
-                <a16:creationId xmlns:a16="http://schemas.microsoft.com/office/drawing/2014/main" id="{915EB331-4519-41D5-970D-90958980A763}"/>
-              </a:ext>
-            </a:extLst>
-          </p:cNvPr>
-          <p:cNvSpPr/>
-          <p:nvPr/>
-        </p:nvSpPr>
-        <p:spPr>
-          <a:xfrm>
-            <a:off x="675479" y="8163224"/>
-            <a:ext cx="13320000" cy="1107997"/>
-          </a:xfrm>
-          <a:prstGeom prst="roundRect">
-            <a:avLst/>
-          </a:prstGeom>
-          <a:solidFill>
-            <a:srgbClr val="666666"/>
-          </a:solidFill>
-          <a:ln>
-            <a:solidFill>
-              <a:srgbClr val="666666"/>
-            </a:solidFill>
-          </a:ln>
-        </p:spPr>
-        <p:style>
-          <a:lnRef idx="2">
-            <a:schemeClr val="accent1">
-              <a:shade val="50000"/>
-            </a:schemeClr>
-          </a:lnRef>
-          <a:fillRef idx="1">
-            <a:schemeClr val="accent1"/>
-          </a:fillRef>
-          <a:effectRef idx="0">
-            <a:schemeClr val="accent1"/>
-          </a:effectRef>
-          <a:fontRef idx="minor">
-            <a:schemeClr val="lt1"/>
-          </a:fontRef>
-        </p:style>
-        <p:txBody>
-          <a:bodyPr rtlCol="0" anchor="ctr"/>
-          <a:lstStyle/>
-          <a:p>
-            <a:r>
-              <a:rPr lang="en-GB" sz="5400" b="1" dirty="0"/>
-              <a:t>  </a:t>
-            </a:r>
-          </a:p>
-        </p:txBody>
-      </p:sp>
-      <p:sp>
-        <p:nvSpPr>
-          <p:cNvPr id="27" name="Rectangle 26">
-            <a:extLst>
-              <a:ext uri="{FF2B5EF4-FFF2-40B4-BE49-F238E27FC236}">
-                <a16:creationId xmlns:a16="http://schemas.microsoft.com/office/drawing/2014/main" id="{23381CAE-10EC-4FEA-AD78-0277B538B5C7}"/>
-              </a:ext>
-            </a:extLst>
-          </p:cNvPr>
-          <p:cNvSpPr/>
-          <p:nvPr/>
-        </p:nvSpPr>
-        <p:spPr>
-          <a:xfrm>
-            <a:off x="675479" y="9117518"/>
-            <a:ext cx="13320000" cy="5890253"/>
-          </a:xfrm>
-          <a:prstGeom prst="rect">
-            <a:avLst/>
-          </a:prstGeom>
-          <a:solidFill>
-            <a:schemeClr val="bg1"/>
-          </a:solidFill>
-          <a:ln>
-            <a:solidFill>
-              <a:schemeClr val="bg1"/>
-            </a:solidFill>
-          </a:ln>
-        </p:spPr>
-        <p:style>
-          <a:lnRef idx="2">
-            <a:schemeClr val="accent1">
-              <a:shade val="50000"/>
-            </a:schemeClr>
-          </a:lnRef>
-          <a:fillRef idx="1">
-            <a:schemeClr val="accent1"/>
-          </a:fillRef>
-          <a:effectRef idx="0">
-            <a:schemeClr val="accent1"/>
-          </a:effectRef>
-          <a:fontRef idx="minor">
-            <a:schemeClr val="lt1"/>
-          </a:fontRef>
-        </p:style>
-        <p:txBody>
-          <a:bodyPr rtlCol="0" anchor="ctr"/>
-          <a:lstStyle/>
-          <a:p>
-            <a:pPr algn="ctr"/>
-            <a:endParaRPr lang="en-GB"/>
-          </a:p>
-        </p:txBody>
-      </p:sp>
-      <p:sp>
-        <p:nvSpPr>
-          <p:cNvPr id="28" name="Rectangle: Rounded Corners 27">
-            <a:extLst>
-              <a:ext uri="{FF2B5EF4-FFF2-40B4-BE49-F238E27FC236}">
-                <a16:creationId xmlns:a16="http://schemas.microsoft.com/office/drawing/2014/main" id="{8196D0AC-176B-4DE5-A9DC-1568779D9EE1}"/>
-              </a:ext>
-            </a:extLst>
-          </p:cNvPr>
-          <p:cNvSpPr/>
-          <p:nvPr/>
-        </p:nvSpPr>
-        <p:spPr>
-          <a:xfrm>
-            <a:off x="14809965" y="8163224"/>
-            <a:ext cx="13320000" cy="1107997"/>
-          </a:xfrm>
-          <a:prstGeom prst="roundRect">
-            <a:avLst/>
-          </a:prstGeom>
-          <a:solidFill>
-            <a:srgbClr val="666666"/>
-          </a:solidFill>
-          <a:ln>
-            <a:solidFill>
-              <a:srgbClr val="666666"/>
-            </a:solidFill>
-          </a:ln>
-        </p:spPr>
-        <p:style>
-          <a:lnRef idx="2">
-            <a:schemeClr val="accent1">
-              <a:shade val="50000"/>
-            </a:schemeClr>
-          </a:lnRef>
-          <a:fillRef idx="1">
-            <a:schemeClr val="accent1"/>
-          </a:fillRef>
-          <a:effectRef idx="0">
-            <a:schemeClr val="accent1"/>
-          </a:effectRef>
-          <a:fontRef idx="minor">
-            <a:schemeClr val="lt1"/>
-          </a:fontRef>
-        </p:style>
-        <p:txBody>
-          <a:bodyPr rtlCol="0" anchor="ctr"/>
-          <a:lstStyle/>
-          <a:p>
-            <a:pPr algn="ctr"/>
-            <a:endParaRPr lang="en-GB" dirty="0"/>
-          </a:p>
-        </p:txBody>
-      </p:sp>
-      <p:sp>
-        <p:nvSpPr>
-          <p:cNvPr id="29" name="Rectangle 28">
-            <a:extLst>
-              <a:ext uri="{FF2B5EF4-FFF2-40B4-BE49-F238E27FC236}">
-                <a16:creationId xmlns:a16="http://schemas.microsoft.com/office/drawing/2014/main" id="{80944044-FB85-4206-9C50-C7A2BA6D677A}"/>
-              </a:ext>
-            </a:extLst>
-          </p:cNvPr>
-          <p:cNvSpPr/>
-          <p:nvPr/>
-        </p:nvSpPr>
-        <p:spPr>
-          <a:xfrm>
-            <a:off x="14809965" y="9071352"/>
-            <a:ext cx="13320000" cy="10000420"/>
-          </a:xfrm>
-          <a:prstGeom prst="rect">
-            <a:avLst/>
-          </a:prstGeom>
-          <a:solidFill>
-            <a:schemeClr val="bg1"/>
-          </a:solidFill>
-          <a:ln>
-            <a:solidFill>
-              <a:schemeClr val="bg1"/>
-            </a:solidFill>
-          </a:ln>
-        </p:spPr>
-        <p:style>
-          <a:lnRef idx="2">
-            <a:schemeClr val="accent1">
-              <a:shade val="50000"/>
-            </a:schemeClr>
-          </a:lnRef>
-          <a:fillRef idx="1">
-            <a:schemeClr val="accent1"/>
-          </a:fillRef>
-          <a:effectRef idx="0">
-            <a:schemeClr val="accent1"/>
-          </a:effectRef>
-          <a:fontRef idx="minor">
-            <a:schemeClr val="lt1"/>
-          </a:fontRef>
-        </p:style>
-        <p:txBody>
-          <a:bodyPr rtlCol="0" anchor="ctr"/>
-          <a:lstStyle/>
-          <a:p>
-            <a:pPr algn="ctr"/>
-            <a:endParaRPr lang="en-GB"/>
-          </a:p>
-        </p:txBody>
-      </p:sp>
-      <p:sp>
-        <p:nvSpPr>
-          <p:cNvPr id="30" name="Rectangle: Rounded Corners 29">
-            <a:extLst>
-              <a:ext uri="{FF2B5EF4-FFF2-40B4-BE49-F238E27FC236}">
-                <a16:creationId xmlns:a16="http://schemas.microsoft.com/office/drawing/2014/main" id="{B7BD5254-EB4F-4726-AB56-44F759C834D0}"/>
-              </a:ext>
-            </a:extLst>
-          </p:cNvPr>
-          <p:cNvSpPr/>
-          <p:nvPr/>
-        </p:nvSpPr>
-        <p:spPr>
-          <a:xfrm>
-            <a:off x="28808281" y="8163224"/>
-            <a:ext cx="13320000" cy="1107997"/>
-          </a:xfrm>
-          <a:prstGeom prst="roundRect">
-            <a:avLst/>
-          </a:prstGeom>
-          <a:solidFill>
-            <a:srgbClr val="666666"/>
-          </a:solidFill>
-          <a:ln>
-            <a:solidFill>
-              <a:srgbClr val="666666"/>
-            </a:solidFill>
-          </a:ln>
-        </p:spPr>
-        <p:style>
-          <a:lnRef idx="2">
-            <a:schemeClr val="accent1">
-              <a:shade val="50000"/>
-            </a:schemeClr>
-          </a:lnRef>
-          <a:fillRef idx="1">
-            <a:schemeClr val="accent1"/>
-          </a:fillRef>
-          <a:effectRef idx="0">
-            <a:schemeClr val="accent1"/>
-          </a:effectRef>
-          <a:fontRef idx="minor">
-            <a:schemeClr val="lt1"/>
-          </a:fontRef>
-        </p:style>
-        <p:txBody>
-          <a:bodyPr rtlCol="0" anchor="ctr"/>
-          <a:lstStyle/>
-          <a:p>
-            <a:pPr algn="ctr"/>
-            <a:endParaRPr lang="en-GB" dirty="0"/>
-          </a:p>
-        </p:txBody>
-      </p:sp>
-      <p:sp>
-        <p:nvSpPr>
-          <p:cNvPr id="31" name="Rectangle 30">
-            <a:extLst>
-              <a:ext uri="{FF2B5EF4-FFF2-40B4-BE49-F238E27FC236}">
-                <a16:creationId xmlns:a16="http://schemas.microsoft.com/office/drawing/2014/main" id="{DF48A54A-516A-44C6-8EB0-D3451C274297}"/>
-              </a:ext>
-            </a:extLst>
-          </p:cNvPr>
-          <p:cNvSpPr/>
-          <p:nvPr/>
-        </p:nvSpPr>
-        <p:spPr>
-          <a:xfrm>
-            <a:off x="28808281" y="9117518"/>
-            <a:ext cx="13320000" cy="4280782"/>
-          </a:xfrm>
-          <a:prstGeom prst="rect">
-            <a:avLst/>
-          </a:prstGeom>
-          <a:solidFill>
-            <a:schemeClr val="bg1"/>
-          </a:solidFill>
-          <a:ln>
-            <a:solidFill>
-              <a:schemeClr val="bg1"/>
-            </a:solidFill>
-          </a:ln>
-        </p:spPr>
-        <p:style>
-          <a:lnRef idx="2">
-            <a:schemeClr val="accent1">
-              <a:shade val="50000"/>
-            </a:schemeClr>
-          </a:lnRef>
-          <a:fillRef idx="1">
-            <a:schemeClr val="accent1"/>
-          </a:fillRef>
-          <a:effectRef idx="0">
-            <a:schemeClr val="accent1"/>
-          </a:effectRef>
-          <a:fontRef idx="minor">
-            <a:schemeClr val="lt1"/>
-          </a:fontRef>
-        </p:style>
-        <p:txBody>
-          <a:bodyPr rtlCol="0" anchor="ctr"/>
-          <a:lstStyle/>
-          <a:p>
-            <a:pPr algn="ctr"/>
-            <a:endParaRPr lang="en-GB"/>
-          </a:p>
-        </p:txBody>
-      </p:sp>
-      <p:sp>
-        <p:nvSpPr>
-          <p:cNvPr id="34" name="TextBox 33">
-            <a:extLst>
-              <a:ext uri="{FF2B5EF4-FFF2-40B4-BE49-F238E27FC236}">
-                <a16:creationId xmlns:a16="http://schemas.microsoft.com/office/drawing/2014/main" id="{D860C7F3-B84A-4DBB-91C3-5975DFFC6870}"/>
-              </a:ext>
-            </a:extLst>
-          </p:cNvPr>
-          <p:cNvSpPr txBox="1"/>
-          <p:nvPr/>
-        </p:nvSpPr>
-        <p:spPr>
-          <a:xfrm>
-            <a:off x="1016000" y="8163224"/>
-            <a:ext cx="12839700" cy="1015663"/>
-          </a:xfrm>
-          <a:prstGeom prst="rect">
-            <a:avLst/>
-          </a:prstGeom>
-          <a:noFill/>
-        </p:spPr>
-        <p:txBody>
-          <a:bodyPr wrap="square" rtlCol="0">
-            <a:spAutoFit/>
-          </a:bodyPr>
-          <a:lstStyle/>
-          <a:p>
-            <a:r>
-              <a:rPr lang="en-GB" sz="6000" b="1" dirty="0">
-                <a:solidFill>
-                  <a:schemeClr val="bg1"/>
-                </a:solidFill>
-              </a:rPr>
-              <a:t>Introduction</a:t>
-            </a:r>
-          </a:p>
-        </p:txBody>
-      </p:sp>
-      <p:sp>
-        <p:nvSpPr>
-          <p:cNvPr id="35" name="TextBox 34">
-            <a:extLst>
-              <a:ext uri="{FF2B5EF4-FFF2-40B4-BE49-F238E27FC236}">
-                <a16:creationId xmlns:a16="http://schemas.microsoft.com/office/drawing/2014/main" id="{07DD61BC-1E16-433E-8392-D93C7259C87B}"/>
-              </a:ext>
-            </a:extLst>
-          </p:cNvPr>
-          <p:cNvSpPr txBox="1"/>
-          <p:nvPr/>
-        </p:nvSpPr>
-        <p:spPr>
-          <a:xfrm>
-            <a:off x="1016000" y="9385300"/>
-            <a:ext cx="12839700" cy="1569660"/>
-          </a:xfrm>
-          <a:prstGeom prst="rect">
-            <a:avLst/>
-          </a:prstGeom>
-          <a:noFill/>
-        </p:spPr>
-        <p:txBody>
-          <a:bodyPr wrap="square" rtlCol="0">
-            <a:spAutoFit/>
-          </a:bodyPr>
-          <a:lstStyle/>
-          <a:p>
-            <a:pPr marL="285750" indent="-285750">
-              <a:buClr>
-                <a:srgbClr val="86153B"/>
-              </a:buClr>
-              <a:buFont typeface="Arial" panose="020B0604020202020204" pitchFamily="34" charset="0"/>
-              <a:buChar char="•"/>
-            </a:pPr>
-            <a:r>
-              <a:rPr lang="en-GB" sz="3200" b="0" i="0" dirty="0">
-                <a:effectLst/>
-              </a:rPr>
-              <a:t>Breast cancer is one of the most common type of cancer in the UK.</a:t>
-            </a:r>
-          </a:p>
-          <a:p>
-            <a:pPr marL="285750" indent="-285750">
-              <a:buClr>
-                <a:srgbClr val="86153B"/>
-              </a:buClr>
-              <a:buFont typeface="Arial" panose="020B0604020202020204" pitchFamily="34" charset="0"/>
-              <a:buChar char="•"/>
-            </a:pPr>
-            <a:r>
-              <a:rPr lang="en-GB" sz="3200" b="0" i="0" dirty="0">
-                <a:solidFill>
-                  <a:srgbClr val="86153B"/>
-                </a:solidFill>
-                <a:effectLst/>
-              </a:rPr>
-              <a:t>1 out of every 8</a:t>
-            </a:r>
-            <a:r>
-              <a:rPr lang="en-GB" sz="3200" b="0" i="0" dirty="0">
-                <a:effectLst/>
-              </a:rPr>
-              <a:t> females are diagnosed with it at some point [].</a:t>
-            </a:r>
-          </a:p>
-          <a:p>
-            <a:pPr marL="285750" indent="-285750">
-              <a:buClr>
-                <a:srgbClr val="86153B"/>
-              </a:buClr>
-              <a:buFont typeface="Arial" panose="020B0604020202020204" pitchFamily="34" charset="0"/>
-              <a:buChar char="•"/>
-            </a:pPr>
-            <a:r>
-              <a:rPr lang="en-GB" sz="3200" b="0" i="0" dirty="0">
-                <a:effectLst/>
-              </a:rPr>
-              <a:t>4th most common cause of cancer death in the UK</a:t>
-            </a:r>
-            <a:r>
-              <a:rPr lang="en-GB" sz="3200" dirty="0"/>
-              <a:t>.</a:t>
-            </a:r>
-          </a:p>
-        </p:txBody>
-      </p:sp>
-      <p:pic>
-        <p:nvPicPr>
-          <p:cNvPr id="11" name="Picture 10" descr="A picture containing wheel, gear&#10;&#10;Description automatically generated">
-            <a:extLst>
-              <a:ext uri="{FF2B5EF4-FFF2-40B4-BE49-F238E27FC236}">
-                <a16:creationId xmlns:a16="http://schemas.microsoft.com/office/drawing/2014/main" id="{A647B516-596F-4ED3-B5B3-F919C7DEE6A5}"/>
               </a:ext>
             </a:extLst>
           </p:cNvPr>
@@ -3673,8 +3544,8 @@
         </p:blipFill>
         <p:spPr>
           <a:xfrm>
-            <a:off x="2986741" y="11411039"/>
-            <a:ext cx="8668447" cy="1107997"/>
+            <a:off x="31508700" y="3449463"/>
+            <a:ext cx="10619581" cy="3985516"/>
           </a:xfrm>
           <a:prstGeom prst="rect">
             <a:avLst/>
@@ -3683,10 +3554,10 @@
       </p:pic>
       <p:sp>
         <p:nvSpPr>
-          <p:cNvPr id="36" name="TextBox 35">
+          <p:cNvPr id="16" name="TextBox 15">
             <a:extLst>
               <a:ext uri="{FF2B5EF4-FFF2-40B4-BE49-F238E27FC236}">
-                <a16:creationId xmlns:a16="http://schemas.microsoft.com/office/drawing/2014/main" id="{4F2FCC5F-3F03-4EFD-8A55-D02F782B1D63}"/>
+                <a16:creationId xmlns:a16="http://schemas.microsoft.com/office/drawing/2014/main" id="{8B1E7274-3368-444D-867C-71DFAC5EEBB8}"/>
               </a:ext>
             </a:extLst>
           </p:cNvPr>
@@ -3695,8 +3566,8 @@
         </p:nvSpPr>
         <p:spPr>
           <a:xfrm>
-            <a:off x="2801257" y="12638728"/>
-            <a:ext cx="8897258" cy="523220"/>
+            <a:off x="675480" y="5442221"/>
+            <a:ext cx="8458200" cy="1107996"/>
           </a:xfrm>
           <a:prstGeom prst="rect">
             <a:avLst/>
@@ -3709,32 +3580,23 @@
           </a:bodyPr>
           <a:lstStyle/>
           <a:p>
-            <a:pPr algn="ctr"/>
-            <a:r>
-              <a:rPr lang="en-GB" sz="2800" b="0" i="0" dirty="0">
+            <a:r>
+              <a:rPr lang="en-GB" sz="6600" b="1" dirty="0">
                 <a:solidFill>
-                  <a:srgbClr val="666666"/>
+                  <a:schemeClr val="bg1"/>
                 </a:solidFill>
-                <a:effectLst/>
-              </a:rPr>
-              <a:t>Figure 1</a:t>
-            </a:r>
-            <a:r>
-              <a:rPr lang="en-GB" sz="2800" b="0" i="0" dirty="0">
-                <a:effectLst/>
-              </a:rPr>
-              <a:t>: Breast Cancer Statistics in the UK.</a:t>
-            </a:r>
-            <a:endParaRPr lang="en-GB" sz="2800" dirty="0"/>
-          </a:p>
-        </p:txBody>
-      </p:sp>
-      <p:sp>
-        <p:nvSpPr>
-          <p:cNvPr id="37" name="TextBox 36">
+              </a:rPr>
+              <a:t>Marcell Veiner</a:t>
+            </a:r>
+          </a:p>
+        </p:txBody>
+      </p:sp>
+      <p:sp>
+        <p:nvSpPr>
+          <p:cNvPr id="17" name="TextBox 16">
             <a:extLst>
               <a:ext uri="{FF2B5EF4-FFF2-40B4-BE49-F238E27FC236}">
-                <a16:creationId xmlns:a16="http://schemas.microsoft.com/office/drawing/2014/main" id="{208B9F6E-D323-4AEA-AF66-7368DDF4A996}"/>
+                <a16:creationId xmlns:a16="http://schemas.microsoft.com/office/drawing/2014/main" id="{9476FF87-2996-4C86-B68F-5A7F4AB9DF07}"/>
               </a:ext>
             </a:extLst>
           </p:cNvPr>
@@ -3743,8 +3605,8 @@
         </p:nvSpPr>
         <p:spPr>
           <a:xfrm>
-            <a:off x="1016000" y="13270593"/>
-            <a:ext cx="12839700" cy="1569660"/>
+            <a:off x="675480" y="6360127"/>
+            <a:ext cx="20726401" cy="1107996"/>
           </a:xfrm>
           <a:prstGeom prst="rect">
             <a:avLst/>
@@ -3757,74 +3619,23 @@
           </a:bodyPr>
           <a:lstStyle/>
           <a:p>
-            <a:pPr marL="285750" indent="-285750">
-              <a:buClr>
-                <a:srgbClr val="86153B"/>
-              </a:buClr>
-              <a:buFont typeface="Arial" panose="020B0604020202020204" pitchFamily="34" charset="0"/>
-              <a:buChar char="•"/>
-            </a:pPr>
-            <a:r>
-              <a:rPr lang="en-GB" sz="3200" b="0" i="0" dirty="0">
-                <a:effectLst/>
-              </a:rPr>
-              <a:t>Diagnosis often set up with the help of computer aided techniques.</a:t>
-            </a:r>
-          </a:p>
-          <a:p>
-            <a:pPr marL="285750" indent="-285750">
-              <a:buClr>
-                <a:srgbClr val="86153B"/>
-              </a:buClr>
-              <a:buFont typeface="Arial" panose="020B0604020202020204" pitchFamily="34" charset="0"/>
-              <a:buChar char="•"/>
-            </a:pPr>
-            <a:r>
-              <a:rPr lang="en-GB" sz="3200" b="0" i="0" dirty="0">
-                <a:effectLst/>
-              </a:rPr>
-              <a:t>Current approaches (CNNs), discard valuable low-level in-formation. </a:t>
-            </a:r>
-          </a:p>
-          <a:p>
-            <a:pPr marL="285750" indent="-285750">
-              <a:buClr>
-                <a:srgbClr val="86153B"/>
-              </a:buClr>
-              <a:buFont typeface="Arial" panose="020B0604020202020204" pitchFamily="34" charset="0"/>
-              <a:buChar char="•"/>
-            </a:pPr>
-            <a:r>
-              <a:rPr lang="en-GB" sz="3200" b="0" i="0" dirty="0">
-                <a:effectLst/>
-              </a:rPr>
-              <a:t>New approach: </a:t>
-            </a:r>
-            <a:r>
-              <a:rPr lang="en-GB" sz="3200" i="0" dirty="0">
+            <a:r>
+              <a:rPr lang="en-GB" sz="6600" i="1" dirty="0">
                 <a:solidFill>
-                  <a:srgbClr val="86153B"/>
+                  <a:schemeClr val="bg1"/>
                 </a:solidFill>
-                <a:effectLst/>
-              </a:rPr>
-              <a:t>Capsule Networks</a:t>
-            </a:r>
-            <a:r>
-              <a:rPr lang="en-GB" sz="3200" b="0" i="0" dirty="0">
-                <a:effectLst/>
-              </a:rPr>
-              <a:t>.</a:t>
-            </a:r>
-            <a:endParaRPr lang="en-GB" sz="3200" dirty="0"/>
-          </a:p>
-        </p:txBody>
-      </p:sp>
-      <p:sp>
-        <p:nvSpPr>
-          <p:cNvPr id="38" name="Rectangle: Rounded Corners 37">
+              </a:rPr>
+              <a:t>University of Aberdeen: Department of Computing Science</a:t>
+            </a:r>
+          </a:p>
+        </p:txBody>
+      </p:sp>
+      <p:sp>
+        <p:nvSpPr>
+          <p:cNvPr id="25" name="Rectangle: Rounded Corners 24">
             <a:extLst>
               <a:ext uri="{FF2B5EF4-FFF2-40B4-BE49-F238E27FC236}">
-                <a16:creationId xmlns:a16="http://schemas.microsoft.com/office/drawing/2014/main" id="{E46939D7-B624-45E3-AC0F-0A82B801E208}"/>
+                <a16:creationId xmlns:a16="http://schemas.microsoft.com/office/drawing/2014/main" id="{915EB331-4519-41D5-970D-90958980A763}"/>
               </a:ext>
             </a:extLst>
           </p:cNvPr>
@@ -3833,7 +3644,7 @@
         </p:nvSpPr>
         <p:spPr>
           <a:xfrm>
-            <a:off x="675479" y="15477581"/>
+            <a:off x="675479" y="8163224"/>
             <a:ext cx="13320000" cy="1107997"/>
           </a:xfrm>
           <a:prstGeom prst="roundRect">
@@ -3877,10 +3688,10 @@
       </p:sp>
       <p:sp>
         <p:nvSpPr>
-          <p:cNvPr id="39" name="Rectangle 38">
+          <p:cNvPr id="27" name="Rectangle 26">
             <a:extLst>
               <a:ext uri="{FF2B5EF4-FFF2-40B4-BE49-F238E27FC236}">
-                <a16:creationId xmlns:a16="http://schemas.microsoft.com/office/drawing/2014/main" id="{22BF45B3-14AF-46BD-8754-D137281E238C}"/>
+                <a16:creationId xmlns:a16="http://schemas.microsoft.com/office/drawing/2014/main" id="{23381CAE-10EC-4FEA-AD78-0277B538B5C7}"/>
               </a:ext>
             </a:extLst>
           </p:cNvPr>
@@ -3889,8 +3700,8 @@
         </p:nvSpPr>
         <p:spPr>
           <a:xfrm>
-            <a:off x="675479" y="16431875"/>
-            <a:ext cx="13320000" cy="13267075"/>
+            <a:off x="675479" y="9117518"/>
+            <a:ext cx="13320000" cy="5890253"/>
           </a:xfrm>
           <a:prstGeom prst="rect">
             <a:avLst/>
@@ -3931,10 +3742,226 @@
       </p:sp>
       <p:sp>
         <p:nvSpPr>
-          <p:cNvPr id="40" name="TextBox 39">
+          <p:cNvPr id="28" name="Rectangle: Rounded Corners 27">
             <a:extLst>
               <a:ext uri="{FF2B5EF4-FFF2-40B4-BE49-F238E27FC236}">
-                <a16:creationId xmlns:a16="http://schemas.microsoft.com/office/drawing/2014/main" id="{99833B84-2265-4B50-B09B-4B98E7A91604}"/>
+                <a16:creationId xmlns:a16="http://schemas.microsoft.com/office/drawing/2014/main" id="{8196D0AC-176B-4DE5-A9DC-1568779D9EE1}"/>
+              </a:ext>
+            </a:extLst>
+          </p:cNvPr>
+          <p:cNvSpPr/>
+          <p:nvPr/>
+        </p:nvSpPr>
+        <p:spPr>
+          <a:xfrm>
+            <a:off x="14809965" y="8163224"/>
+            <a:ext cx="13320000" cy="1107997"/>
+          </a:xfrm>
+          <a:prstGeom prst="roundRect">
+            <a:avLst/>
+          </a:prstGeom>
+          <a:solidFill>
+            <a:srgbClr val="666666"/>
+          </a:solidFill>
+          <a:ln>
+            <a:solidFill>
+              <a:srgbClr val="666666"/>
+            </a:solidFill>
+          </a:ln>
+        </p:spPr>
+        <p:style>
+          <a:lnRef idx="2">
+            <a:schemeClr val="accent1">
+              <a:shade val="50000"/>
+            </a:schemeClr>
+          </a:lnRef>
+          <a:fillRef idx="1">
+            <a:schemeClr val="accent1"/>
+          </a:fillRef>
+          <a:effectRef idx="0">
+            <a:schemeClr val="accent1"/>
+          </a:effectRef>
+          <a:fontRef idx="minor">
+            <a:schemeClr val="lt1"/>
+          </a:fontRef>
+        </p:style>
+        <p:txBody>
+          <a:bodyPr rtlCol="0" anchor="ctr"/>
+          <a:lstStyle/>
+          <a:p>
+            <a:pPr algn="ctr"/>
+            <a:endParaRPr lang="en-GB" dirty="0"/>
+          </a:p>
+        </p:txBody>
+      </p:sp>
+      <p:sp>
+        <p:nvSpPr>
+          <p:cNvPr id="29" name="Rectangle 28">
+            <a:extLst>
+              <a:ext uri="{FF2B5EF4-FFF2-40B4-BE49-F238E27FC236}">
+                <a16:creationId xmlns:a16="http://schemas.microsoft.com/office/drawing/2014/main" id="{80944044-FB85-4206-9C50-C7A2BA6D677A}"/>
+              </a:ext>
+            </a:extLst>
+          </p:cNvPr>
+          <p:cNvSpPr/>
+          <p:nvPr/>
+        </p:nvSpPr>
+        <p:spPr>
+          <a:xfrm>
+            <a:off x="14809965" y="9071352"/>
+            <a:ext cx="13320000" cy="10000420"/>
+          </a:xfrm>
+          <a:prstGeom prst="rect">
+            <a:avLst/>
+          </a:prstGeom>
+          <a:solidFill>
+            <a:schemeClr val="bg1"/>
+          </a:solidFill>
+          <a:ln>
+            <a:solidFill>
+              <a:schemeClr val="bg1"/>
+            </a:solidFill>
+          </a:ln>
+        </p:spPr>
+        <p:style>
+          <a:lnRef idx="2">
+            <a:schemeClr val="accent1">
+              <a:shade val="50000"/>
+            </a:schemeClr>
+          </a:lnRef>
+          <a:fillRef idx="1">
+            <a:schemeClr val="accent1"/>
+          </a:fillRef>
+          <a:effectRef idx="0">
+            <a:schemeClr val="accent1"/>
+          </a:effectRef>
+          <a:fontRef idx="minor">
+            <a:schemeClr val="lt1"/>
+          </a:fontRef>
+        </p:style>
+        <p:txBody>
+          <a:bodyPr rtlCol="0" anchor="ctr"/>
+          <a:lstStyle/>
+          <a:p>
+            <a:pPr algn="ctr"/>
+            <a:endParaRPr lang="en-GB"/>
+          </a:p>
+        </p:txBody>
+      </p:sp>
+      <p:sp>
+        <p:nvSpPr>
+          <p:cNvPr id="30" name="Rectangle: Rounded Corners 29">
+            <a:extLst>
+              <a:ext uri="{FF2B5EF4-FFF2-40B4-BE49-F238E27FC236}">
+                <a16:creationId xmlns:a16="http://schemas.microsoft.com/office/drawing/2014/main" id="{B7BD5254-EB4F-4726-AB56-44F759C834D0}"/>
+              </a:ext>
+            </a:extLst>
+          </p:cNvPr>
+          <p:cNvSpPr/>
+          <p:nvPr/>
+        </p:nvSpPr>
+        <p:spPr>
+          <a:xfrm>
+            <a:off x="28808281" y="8163224"/>
+            <a:ext cx="13320000" cy="1107997"/>
+          </a:xfrm>
+          <a:prstGeom prst="roundRect">
+            <a:avLst/>
+          </a:prstGeom>
+          <a:solidFill>
+            <a:srgbClr val="666666"/>
+          </a:solidFill>
+          <a:ln>
+            <a:solidFill>
+              <a:srgbClr val="666666"/>
+            </a:solidFill>
+          </a:ln>
+        </p:spPr>
+        <p:style>
+          <a:lnRef idx="2">
+            <a:schemeClr val="accent1">
+              <a:shade val="50000"/>
+            </a:schemeClr>
+          </a:lnRef>
+          <a:fillRef idx="1">
+            <a:schemeClr val="accent1"/>
+          </a:fillRef>
+          <a:effectRef idx="0">
+            <a:schemeClr val="accent1"/>
+          </a:effectRef>
+          <a:fontRef idx="minor">
+            <a:schemeClr val="lt1"/>
+          </a:fontRef>
+        </p:style>
+        <p:txBody>
+          <a:bodyPr rtlCol="0" anchor="ctr"/>
+          <a:lstStyle/>
+          <a:p>
+            <a:pPr algn="ctr"/>
+            <a:endParaRPr lang="en-GB" dirty="0"/>
+          </a:p>
+        </p:txBody>
+      </p:sp>
+      <p:sp>
+        <p:nvSpPr>
+          <p:cNvPr id="31" name="Rectangle 30">
+            <a:extLst>
+              <a:ext uri="{FF2B5EF4-FFF2-40B4-BE49-F238E27FC236}">
+                <a16:creationId xmlns:a16="http://schemas.microsoft.com/office/drawing/2014/main" id="{DF48A54A-516A-44C6-8EB0-D3451C274297}"/>
+              </a:ext>
+            </a:extLst>
+          </p:cNvPr>
+          <p:cNvSpPr/>
+          <p:nvPr/>
+        </p:nvSpPr>
+        <p:spPr>
+          <a:xfrm>
+            <a:off x="28808281" y="9117517"/>
+            <a:ext cx="13320000" cy="7322597"/>
+          </a:xfrm>
+          <a:prstGeom prst="rect">
+            <a:avLst/>
+          </a:prstGeom>
+          <a:solidFill>
+            <a:schemeClr val="bg1"/>
+          </a:solidFill>
+          <a:ln>
+            <a:solidFill>
+              <a:schemeClr val="bg1"/>
+            </a:solidFill>
+          </a:ln>
+        </p:spPr>
+        <p:style>
+          <a:lnRef idx="2">
+            <a:schemeClr val="accent1">
+              <a:shade val="50000"/>
+            </a:schemeClr>
+          </a:lnRef>
+          <a:fillRef idx="1">
+            <a:schemeClr val="accent1"/>
+          </a:fillRef>
+          <a:effectRef idx="0">
+            <a:schemeClr val="accent1"/>
+          </a:effectRef>
+          <a:fontRef idx="minor">
+            <a:schemeClr val="lt1"/>
+          </a:fontRef>
+        </p:style>
+        <p:txBody>
+          <a:bodyPr rtlCol="0" anchor="ctr"/>
+          <a:lstStyle/>
+          <a:p>
+            <a:pPr algn="ctr"/>
+            <a:endParaRPr lang="en-GB"/>
+          </a:p>
+        </p:txBody>
+      </p:sp>
+      <p:sp>
+        <p:nvSpPr>
+          <p:cNvPr id="34" name="TextBox 33">
+            <a:extLst>
+              <a:ext uri="{FF2B5EF4-FFF2-40B4-BE49-F238E27FC236}">
+                <a16:creationId xmlns:a16="http://schemas.microsoft.com/office/drawing/2014/main" id="{D860C7F3-B84A-4DBB-91C3-5975DFFC6870}"/>
               </a:ext>
             </a:extLst>
           </p:cNvPr>
@@ -3943,7 +3970,7 @@
         </p:nvSpPr>
         <p:spPr>
           <a:xfrm>
-            <a:off x="1016000" y="15477581"/>
+            <a:off x="1016000" y="8163224"/>
             <a:ext cx="12839700" cy="1015663"/>
           </a:xfrm>
           <a:prstGeom prst="rect">
@@ -3963,17 +3990,17 @@
                   <a:schemeClr val="bg1"/>
                 </a:solidFill>
               </a:rPr>
-              <a:t>Capsule Networks</a:t>
-            </a:r>
-          </a:p>
-        </p:txBody>
-      </p:sp>
-      <p:sp>
-        <p:nvSpPr>
-          <p:cNvPr id="41" name="TextBox 40">
+              <a:t>Introduction</a:t>
+            </a:r>
+          </a:p>
+        </p:txBody>
+      </p:sp>
+      <p:sp>
+        <p:nvSpPr>
+          <p:cNvPr id="35" name="TextBox 34">
             <a:extLst>
               <a:ext uri="{FF2B5EF4-FFF2-40B4-BE49-F238E27FC236}">
-                <a16:creationId xmlns:a16="http://schemas.microsoft.com/office/drawing/2014/main" id="{79F980CC-EC81-4C7F-8464-9F37FB368F1D}"/>
+                <a16:creationId xmlns:a16="http://schemas.microsoft.com/office/drawing/2014/main" id="{07DD61BC-1E16-433E-8392-D93C7259C87B}"/>
               </a:ext>
             </a:extLst>
           </p:cNvPr>
@@ -3982,8 +4009,8 @@
         </p:nvSpPr>
         <p:spPr>
           <a:xfrm>
-            <a:off x="1016000" y="16699657"/>
-            <a:ext cx="12839700" cy="2062103"/>
+            <a:off x="1016000" y="9385300"/>
+            <a:ext cx="12839700" cy="1569660"/>
           </a:xfrm>
           <a:prstGeom prst="rect">
             <a:avLst/>
@@ -4004,10 +4031,10 @@
               <a:buChar char="•"/>
             </a:pPr>
             <a:r>
-              <a:rPr lang="en-GB" sz="3200" i="0" dirty="0">
+              <a:rPr lang="en-GB" sz="3200" b="0" i="0" dirty="0">
                 <a:effectLst/>
               </a:rPr>
-              <a:t>Novel deep learning approach proposed to address the flaws of CNNs.</a:t>
+              <a:t>Breast cancer is one of the most common type of cancer in the UK.</a:t>
             </a:r>
           </a:p>
           <a:p>
@@ -4019,10 +4046,19 @@
               <a:buChar char="•"/>
             </a:pPr>
             <a:r>
-              <a:rPr lang="en-GB" sz="3200" i="0" dirty="0">
+              <a:rPr lang="en-GB" sz="3200" b="0" i="0" dirty="0">
+                <a:solidFill>
+                  <a:srgbClr val="86153B"/>
+                </a:solidFill>
                 <a:effectLst/>
               </a:rPr>
-              <a:t>Its first version appeared in [], which has been refined several times since.</a:t>
+              <a:t>1 out of every 8</a:t>
+            </a:r>
+            <a:r>
+              <a:rPr lang="en-GB" sz="3200" b="0" i="0" dirty="0">
+                <a:effectLst/>
+              </a:rPr>
+              <a:t> females are diagnosed with it at some point.</a:t>
             </a:r>
           </a:p>
           <a:p>
@@ -4034,101 +4070,24 @@
               <a:buChar char="•"/>
             </a:pPr>
             <a:r>
-              <a:rPr lang="en-GB" sz="3200" dirty="0"/>
-              <a:t>Learning process similar to </a:t>
-            </a:r>
-            <a:r>
-              <a:rPr lang="en-GB" sz="3200" i="0" dirty="0">
-                <a:solidFill>
-                  <a:srgbClr val="86153B"/>
-                </a:solidFill>
-                <a:effectLst/>
-              </a:rPr>
-              <a:t>inverse graphics.</a:t>
-            </a:r>
-            <a:endParaRPr lang="en-GB" sz="3200" dirty="0">
-              <a:solidFill>
-                <a:srgbClr val="86153B"/>
-              </a:solidFill>
-            </a:endParaRPr>
-          </a:p>
-          <a:p>
-            <a:pPr marL="285750" indent="-285750">
-              <a:buClr>
-                <a:srgbClr val="86153B"/>
-              </a:buClr>
-              <a:buFont typeface="Arial" panose="020B0604020202020204" pitchFamily="34" charset="0"/>
-              <a:buChar char="•"/>
-            </a:pPr>
-            <a:r>
               <a:rPr lang="en-GB" sz="3200" b="0" i="0" dirty="0">
                 <a:effectLst/>
               </a:rPr>
-              <a:t>Recognise not only objects but their attributes  (orientation, size, skew…) </a:t>
-            </a:r>
-            <a:endParaRPr lang="en-GB" sz="3200" i="0" dirty="0">
-              <a:solidFill>
-                <a:srgbClr val="86153B"/>
-              </a:solidFill>
-              <a:effectLst/>
-            </a:endParaRPr>
-          </a:p>
-        </p:txBody>
-      </p:sp>
-      <p:sp>
-        <p:nvSpPr>
-          <p:cNvPr id="43" name="TextBox 42">
+              <a:t>4th most common cause of cancer death in the UK</a:t>
+            </a:r>
+            <a:r>
+              <a:rPr lang="en-GB" sz="3200" dirty="0"/>
+              <a:t>.</a:t>
+            </a:r>
+          </a:p>
+        </p:txBody>
+      </p:sp>
+      <p:pic>
+        <p:nvPicPr>
+          <p:cNvPr id="11" name="Picture 10" descr="A picture containing wheel, gear&#10;&#10;Description automatically generated">
             <a:extLst>
               <a:ext uri="{FF2B5EF4-FFF2-40B4-BE49-F238E27FC236}">
-                <a16:creationId xmlns:a16="http://schemas.microsoft.com/office/drawing/2014/main" id="{C8ABBC4B-AF61-433B-BB93-97EDC20C9A01}"/>
-              </a:ext>
-            </a:extLst>
-          </p:cNvPr>
-          <p:cNvSpPr txBox="1"/>
-          <p:nvPr/>
-        </p:nvSpPr>
-        <p:spPr>
-          <a:xfrm>
-            <a:off x="2628240" y="26969013"/>
-            <a:ext cx="9243281" cy="523220"/>
-          </a:xfrm>
-          <a:prstGeom prst="rect">
-            <a:avLst/>
-          </a:prstGeom>
-          <a:noFill/>
-        </p:spPr>
-        <p:txBody>
-          <a:bodyPr wrap="square" rtlCol="0">
-            <a:spAutoFit/>
-          </a:bodyPr>
-          <a:lstStyle/>
-          <a:p>
-            <a:pPr algn="ctr"/>
-            <a:r>
-              <a:rPr lang="en-GB" sz="2800" b="0" i="0" dirty="0">
-                <a:solidFill>
-                  <a:srgbClr val="666666"/>
-                </a:solidFill>
-                <a:effectLst/>
-              </a:rPr>
-              <a:t>Figure 2</a:t>
-            </a:r>
-            <a:r>
-              <a:rPr lang="en-GB" sz="2800" b="0" i="0" dirty="0">
-                <a:effectLst/>
-              </a:rPr>
-              <a:t>: Capsules Finding Parts of Objects [].</a:t>
-            </a:r>
-            <a:endParaRPr lang="en-GB" sz="2800" dirty="0"/>
-          </a:p>
-        </p:txBody>
-      </p:sp>
-      <p:pic>
-        <p:nvPicPr>
-          <p:cNvPr id="46" name="Picture 45" descr="A picture containing chart&#10;&#10;Description automatically generated">
-            <a:extLst>
-              <a:ext uri="{FF2B5EF4-FFF2-40B4-BE49-F238E27FC236}">
-                <a16:creationId xmlns:a16="http://schemas.microsoft.com/office/drawing/2014/main" id="{8BA6FC5C-AFEF-4292-BE02-775357CD6188}"/>
+                <a16:creationId xmlns:a16="http://schemas.microsoft.com/office/drawing/2014/main" id="{A647B516-596F-4ED3-B5B3-F919C7DEE6A5}"/>
               </a:ext>
             </a:extLst>
           </p:cNvPr>
@@ -4151,6 +4110,490 @@
         </p:blipFill>
         <p:spPr>
           <a:xfrm>
+            <a:off x="2986741" y="11411039"/>
+            <a:ext cx="8668447" cy="1107997"/>
+          </a:xfrm>
+          <a:prstGeom prst="rect">
+            <a:avLst/>
+          </a:prstGeom>
+        </p:spPr>
+      </p:pic>
+      <p:sp>
+        <p:nvSpPr>
+          <p:cNvPr id="36" name="TextBox 35">
+            <a:extLst>
+              <a:ext uri="{FF2B5EF4-FFF2-40B4-BE49-F238E27FC236}">
+                <a16:creationId xmlns:a16="http://schemas.microsoft.com/office/drawing/2014/main" id="{4F2FCC5F-3F03-4EFD-8A55-D02F782B1D63}"/>
+              </a:ext>
+            </a:extLst>
+          </p:cNvPr>
+          <p:cNvSpPr txBox="1"/>
+          <p:nvPr/>
+        </p:nvSpPr>
+        <p:spPr>
+          <a:xfrm>
+            <a:off x="2801257" y="12638728"/>
+            <a:ext cx="8897258" cy="523220"/>
+          </a:xfrm>
+          <a:prstGeom prst="rect">
+            <a:avLst/>
+          </a:prstGeom>
+          <a:noFill/>
+        </p:spPr>
+        <p:txBody>
+          <a:bodyPr wrap="square" rtlCol="0">
+            <a:spAutoFit/>
+          </a:bodyPr>
+          <a:lstStyle/>
+          <a:p>
+            <a:pPr algn="ctr"/>
+            <a:r>
+              <a:rPr lang="en-GB" sz="2800" b="0" i="0" dirty="0">
+                <a:solidFill>
+                  <a:srgbClr val="666666"/>
+                </a:solidFill>
+                <a:effectLst/>
+              </a:rPr>
+              <a:t>Figure 1</a:t>
+            </a:r>
+            <a:r>
+              <a:rPr lang="en-GB" sz="2800" b="0" i="0" dirty="0">
+                <a:effectLst/>
+              </a:rPr>
+              <a:t>: Breast Cancer Statistics in the UK.</a:t>
+            </a:r>
+            <a:endParaRPr lang="en-GB" sz="2800" dirty="0"/>
+          </a:p>
+        </p:txBody>
+      </p:sp>
+      <p:sp>
+        <p:nvSpPr>
+          <p:cNvPr id="37" name="TextBox 36">
+            <a:extLst>
+              <a:ext uri="{FF2B5EF4-FFF2-40B4-BE49-F238E27FC236}">
+                <a16:creationId xmlns:a16="http://schemas.microsoft.com/office/drawing/2014/main" id="{208B9F6E-D323-4AEA-AF66-7368DDF4A996}"/>
+              </a:ext>
+            </a:extLst>
+          </p:cNvPr>
+          <p:cNvSpPr txBox="1"/>
+          <p:nvPr/>
+        </p:nvSpPr>
+        <p:spPr>
+          <a:xfrm>
+            <a:off x="1016000" y="13270593"/>
+            <a:ext cx="12839700" cy="1569660"/>
+          </a:xfrm>
+          <a:prstGeom prst="rect">
+            <a:avLst/>
+          </a:prstGeom>
+          <a:noFill/>
+        </p:spPr>
+        <p:txBody>
+          <a:bodyPr wrap="square" rtlCol="0">
+            <a:spAutoFit/>
+          </a:bodyPr>
+          <a:lstStyle/>
+          <a:p>
+            <a:pPr marL="285750" indent="-285750">
+              <a:buClr>
+                <a:srgbClr val="86153B"/>
+              </a:buClr>
+              <a:buFont typeface="Arial" panose="020B0604020202020204" pitchFamily="34" charset="0"/>
+              <a:buChar char="•"/>
+            </a:pPr>
+            <a:r>
+              <a:rPr lang="en-GB" sz="3200" b="0" i="0" dirty="0">
+                <a:effectLst/>
+              </a:rPr>
+              <a:t>Diagnosis often set up with the help of computer aided techniques.</a:t>
+            </a:r>
+          </a:p>
+          <a:p>
+            <a:pPr marL="285750" indent="-285750">
+              <a:buClr>
+                <a:srgbClr val="86153B"/>
+              </a:buClr>
+              <a:buFont typeface="Arial" panose="020B0604020202020204" pitchFamily="34" charset="0"/>
+              <a:buChar char="•"/>
+            </a:pPr>
+            <a:r>
+              <a:rPr lang="en-GB" sz="3200" b="0" i="0" dirty="0">
+                <a:effectLst/>
+              </a:rPr>
+              <a:t>Current approaches (CNNs), discard valuable low-level in-formation. </a:t>
+            </a:r>
+          </a:p>
+          <a:p>
+            <a:pPr marL="285750" indent="-285750">
+              <a:buClr>
+                <a:srgbClr val="86153B"/>
+              </a:buClr>
+              <a:buFont typeface="Arial" panose="020B0604020202020204" pitchFamily="34" charset="0"/>
+              <a:buChar char="•"/>
+            </a:pPr>
+            <a:r>
+              <a:rPr lang="en-GB" sz="3200" b="0" i="0" dirty="0">
+                <a:effectLst/>
+              </a:rPr>
+              <a:t>New approach: </a:t>
+            </a:r>
+            <a:r>
+              <a:rPr lang="en-GB" sz="3200" i="0" dirty="0">
+                <a:solidFill>
+                  <a:srgbClr val="86153B"/>
+                </a:solidFill>
+                <a:effectLst/>
+              </a:rPr>
+              <a:t>Capsule Networks</a:t>
+            </a:r>
+            <a:r>
+              <a:rPr lang="en-GB" sz="3200" b="0" i="0" dirty="0">
+                <a:effectLst/>
+              </a:rPr>
+              <a:t>.</a:t>
+            </a:r>
+            <a:endParaRPr lang="en-GB" sz="3200" dirty="0"/>
+          </a:p>
+        </p:txBody>
+      </p:sp>
+      <p:sp>
+        <p:nvSpPr>
+          <p:cNvPr id="38" name="Rectangle: Rounded Corners 37">
+            <a:extLst>
+              <a:ext uri="{FF2B5EF4-FFF2-40B4-BE49-F238E27FC236}">
+                <a16:creationId xmlns:a16="http://schemas.microsoft.com/office/drawing/2014/main" id="{E46939D7-B624-45E3-AC0F-0A82B801E208}"/>
+              </a:ext>
+            </a:extLst>
+          </p:cNvPr>
+          <p:cNvSpPr/>
+          <p:nvPr/>
+        </p:nvSpPr>
+        <p:spPr>
+          <a:xfrm>
+            <a:off x="675479" y="15477581"/>
+            <a:ext cx="13320000" cy="1107997"/>
+          </a:xfrm>
+          <a:prstGeom prst="roundRect">
+            <a:avLst/>
+          </a:prstGeom>
+          <a:solidFill>
+            <a:srgbClr val="666666"/>
+          </a:solidFill>
+          <a:ln>
+            <a:solidFill>
+              <a:srgbClr val="666666"/>
+            </a:solidFill>
+          </a:ln>
+        </p:spPr>
+        <p:style>
+          <a:lnRef idx="2">
+            <a:schemeClr val="accent1">
+              <a:shade val="50000"/>
+            </a:schemeClr>
+          </a:lnRef>
+          <a:fillRef idx="1">
+            <a:schemeClr val="accent1"/>
+          </a:fillRef>
+          <a:effectRef idx="0">
+            <a:schemeClr val="accent1"/>
+          </a:effectRef>
+          <a:fontRef idx="minor">
+            <a:schemeClr val="lt1"/>
+          </a:fontRef>
+        </p:style>
+        <p:txBody>
+          <a:bodyPr rtlCol="0" anchor="ctr"/>
+          <a:lstStyle/>
+          <a:p>
+            <a:r>
+              <a:rPr lang="en-GB" sz="5400" b="1" dirty="0"/>
+              <a:t>  </a:t>
+            </a:r>
+          </a:p>
+        </p:txBody>
+      </p:sp>
+      <p:sp>
+        <p:nvSpPr>
+          <p:cNvPr id="39" name="Rectangle 38">
+            <a:extLst>
+              <a:ext uri="{FF2B5EF4-FFF2-40B4-BE49-F238E27FC236}">
+                <a16:creationId xmlns:a16="http://schemas.microsoft.com/office/drawing/2014/main" id="{22BF45B3-14AF-46BD-8754-D137281E238C}"/>
+              </a:ext>
+            </a:extLst>
+          </p:cNvPr>
+          <p:cNvSpPr/>
+          <p:nvPr/>
+        </p:nvSpPr>
+        <p:spPr>
+          <a:xfrm>
+            <a:off x="675479" y="16431875"/>
+            <a:ext cx="13320000" cy="13267075"/>
+          </a:xfrm>
+          <a:prstGeom prst="rect">
+            <a:avLst/>
+          </a:prstGeom>
+          <a:solidFill>
+            <a:schemeClr val="bg1"/>
+          </a:solidFill>
+          <a:ln>
+            <a:solidFill>
+              <a:schemeClr val="bg1"/>
+            </a:solidFill>
+          </a:ln>
+        </p:spPr>
+        <p:style>
+          <a:lnRef idx="2">
+            <a:schemeClr val="accent1">
+              <a:shade val="50000"/>
+            </a:schemeClr>
+          </a:lnRef>
+          <a:fillRef idx="1">
+            <a:schemeClr val="accent1"/>
+          </a:fillRef>
+          <a:effectRef idx="0">
+            <a:schemeClr val="accent1"/>
+          </a:effectRef>
+          <a:fontRef idx="minor">
+            <a:schemeClr val="lt1"/>
+          </a:fontRef>
+        </p:style>
+        <p:txBody>
+          <a:bodyPr rtlCol="0" anchor="ctr"/>
+          <a:lstStyle/>
+          <a:p>
+            <a:pPr algn="ctr"/>
+            <a:endParaRPr lang="en-GB"/>
+          </a:p>
+        </p:txBody>
+      </p:sp>
+      <p:sp>
+        <p:nvSpPr>
+          <p:cNvPr id="40" name="TextBox 39">
+            <a:extLst>
+              <a:ext uri="{FF2B5EF4-FFF2-40B4-BE49-F238E27FC236}">
+                <a16:creationId xmlns:a16="http://schemas.microsoft.com/office/drawing/2014/main" id="{99833B84-2265-4B50-B09B-4B98E7A91604}"/>
+              </a:ext>
+            </a:extLst>
+          </p:cNvPr>
+          <p:cNvSpPr txBox="1"/>
+          <p:nvPr/>
+        </p:nvSpPr>
+        <p:spPr>
+          <a:xfrm>
+            <a:off x="1016000" y="15477581"/>
+            <a:ext cx="12839700" cy="1015663"/>
+          </a:xfrm>
+          <a:prstGeom prst="rect">
+            <a:avLst/>
+          </a:prstGeom>
+          <a:noFill/>
+        </p:spPr>
+        <p:txBody>
+          <a:bodyPr wrap="square" rtlCol="0">
+            <a:spAutoFit/>
+          </a:bodyPr>
+          <a:lstStyle/>
+          <a:p>
+            <a:r>
+              <a:rPr lang="en-GB" sz="6000" b="1" dirty="0">
+                <a:solidFill>
+                  <a:schemeClr val="bg1"/>
+                </a:solidFill>
+              </a:rPr>
+              <a:t>Capsule Networks</a:t>
+            </a:r>
+          </a:p>
+        </p:txBody>
+      </p:sp>
+      <p:sp>
+        <p:nvSpPr>
+          <p:cNvPr id="41" name="TextBox 40">
+            <a:extLst>
+              <a:ext uri="{FF2B5EF4-FFF2-40B4-BE49-F238E27FC236}">
+                <a16:creationId xmlns:a16="http://schemas.microsoft.com/office/drawing/2014/main" id="{79F980CC-EC81-4C7F-8464-9F37FB368F1D}"/>
+              </a:ext>
+            </a:extLst>
+          </p:cNvPr>
+          <p:cNvSpPr txBox="1"/>
+          <p:nvPr/>
+        </p:nvSpPr>
+        <p:spPr>
+          <a:xfrm>
+            <a:off x="1016000" y="16699657"/>
+            <a:ext cx="12839700" cy="2062103"/>
+          </a:xfrm>
+          <a:prstGeom prst="rect">
+            <a:avLst/>
+          </a:prstGeom>
+          <a:noFill/>
+        </p:spPr>
+        <p:txBody>
+          <a:bodyPr wrap="square" rtlCol="0">
+            <a:spAutoFit/>
+          </a:bodyPr>
+          <a:lstStyle/>
+          <a:p>
+            <a:pPr marL="285750" indent="-285750">
+              <a:buClr>
+                <a:srgbClr val="86153B"/>
+              </a:buClr>
+              <a:buFont typeface="Arial" panose="020B0604020202020204" pitchFamily="34" charset="0"/>
+              <a:buChar char="•"/>
+            </a:pPr>
+            <a:r>
+              <a:rPr lang="en-GB" sz="3200" i="0" dirty="0">
+                <a:effectLst/>
+              </a:rPr>
+              <a:t>Novel deep learning approach proposed to address the flaws of CNNs.</a:t>
+            </a:r>
+          </a:p>
+          <a:p>
+            <a:pPr marL="285750" indent="-285750">
+              <a:buClr>
+                <a:srgbClr val="86153B"/>
+              </a:buClr>
+              <a:buFont typeface="Arial" panose="020B0604020202020204" pitchFamily="34" charset="0"/>
+              <a:buChar char="•"/>
+            </a:pPr>
+            <a:r>
+              <a:rPr lang="en-GB" sz="3200" i="0" dirty="0">
+                <a:effectLst/>
+              </a:rPr>
+              <a:t>Its first version appeared in [6], which has been refined several times since.</a:t>
+            </a:r>
+          </a:p>
+          <a:p>
+            <a:pPr marL="285750" indent="-285750">
+              <a:buClr>
+                <a:srgbClr val="86153B"/>
+              </a:buClr>
+              <a:buFont typeface="Arial" panose="020B0604020202020204" pitchFamily="34" charset="0"/>
+              <a:buChar char="•"/>
+            </a:pPr>
+            <a:r>
+              <a:rPr lang="en-GB" sz="3200" dirty="0"/>
+              <a:t>Learning process similar to </a:t>
+            </a:r>
+            <a:r>
+              <a:rPr lang="en-GB" sz="3200" i="0" dirty="0">
+                <a:solidFill>
+                  <a:srgbClr val="86153B"/>
+                </a:solidFill>
+                <a:effectLst/>
+              </a:rPr>
+              <a:t>inverse graphics.</a:t>
+            </a:r>
+            <a:endParaRPr lang="en-GB" sz="3200" dirty="0">
+              <a:solidFill>
+                <a:srgbClr val="86153B"/>
+              </a:solidFill>
+            </a:endParaRPr>
+          </a:p>
+          <a:p>
+            <a:pPr marL="285750" indent="-285750">
+              <a:buClr>
+                <a:srgbClr val="86153B"/>
+              </a:buClr>
+              <a:buFont typeface="Arial" panose="020B0604020202020204" pitchFamily="34" charset="0"/>
+              <a:buChar char="•"/>
+            </a:pPr>
+            <a:r>
+              <a:rPr lang="en-GB" sz="3200" b="0" i="0" dirty="0">
+                <a:effectLst/>
+              </a:rPr>
+              <a:t>Recognise not only objects but their attributes  (orientation, size, skew…) </a:t>
+            </a:r>
+            <a:endParaRPr lang="en-GB" sz="3200" i="0" dirty="0">
+              <a:solidFill>
+                <a:srgbClr val="86153B"/>
+              </a:solidFill>
+              <a:effectLst/>
+            </a:endParaRPr>
+          </a:p>
+        </p:txBody>
+      </p:sp>
+      <p:sp>
+        <p:nvSpPr>
+          <p:cNvPr id="43" name="TextBox 42">
+            <a:extLst>
+              <a:ext uri="{FF2B5EF4-FFF2-40B4-BE49-F238E27FC236}">
+                <a16:creationId xmlns:a16="http://schemas.microsoft.com/office/drawing/2014/main" id="{C8ABBC4B-AF61-433B-BB93-97EDC20C9A01}"/>
+              </a:ext>
+            </a:extLst>
+          </p:cNvPr>
+          <p:cNvSpPr txBox="1"/>
+          <p:nvPr/>
+        </p:nvSpPr>
+        <p:spPr>
+          <a:xfrm>
+            <a:off x="2628240" y="26969013"/>
+            <a:ext cx="9243281" cy="523220"/>
+          </a:xfrm>
+          <a:prstGeom prst="rect">
+            <a:avLst/>
+          </a:prstGeom>
+          <a:noFill/>
+        </p:spPr>
+        <p:txBody>
+          <a:bodyPr wrap="square" rtlCol="0">
+            <a:spAutoFit/>
+          </a:bodyPr>
+          <a:lstStyle/>
+          <a:p>
+            <a:pPr algn="ctr"/>
+            <a:r>
+              <a:rPr lang="en-GB" sz="2800" b="0" i="0" dirty="0">
+                <a:solidFill>
+                  <a:srgbClr val="666666"/>
+                </a:solidFill>
+                <a:effectLst/>
+              </a:rPr>
+              <a:t>Figure 2</a:t>
+            </a:r>
+            <a:r>
+              <a:rPr lang="en-GB" sz="2800" b="0" i="0" dirty="0">
+                <a:effectLst/>
+              </a:rPr>
+              <a:t>: Capsules Finding Parts of </a:t>
+            </a:r>
+            <a:r>
+              <a:rPr lang="en-GB" sz="2800" b="0" i="0">
+                <a:effectLst/>
+              </a:rPr>
+              <a:t>Objects [3].</a:t>
+            </a:r>
+            <a:endParaRPr lang="en-GB" sz="2800" dirty="0"/>
+          </a:p>
+        </p:txBody>
+      </p:sp>
+      <p:pic>
+        <p:nvPicPr>
+          <p:cNvPr id="46" name="Picture 45" descr="A picture containing chart&#10;&#10;Description automatically generated">
+            <a:extLst>
+              <a:ext uri="{FF2B5EF4-FFF2-40B4-BE49-F238E27FC236}">
+                <a16:creationId xmlns:a16="http://schemas.microsoft.com/office/drawing/2014/main" id="{8BA6FC5C-AFEF-4292-BE02-775357CD6188}"/>
+              </a:ext>
+            </a:extLst>
+          </p:cNvPr>
+          <p:cNvPicPr>
+            <a:picLocks noChangeAspect="1"/>
+          </p:cNvPicPr>
+          <p:nvPr/>
+        </p:nvPicPr>
+        <p:blipFill>
+          <a:blip r:embed="rId5">
+            <a:extLst>
+              <a:ext uri="{28A0092B-C50C-407E-A947-70E740481C1C}">
+                <a14:useLocalDpi xmlns:a14="http://schemas.microsoft.com/office/drawing/2010/main" val="0"/>
+              </a:ext>
+            </a:extLst>
+          </a:blip>
+          <a:stretch>
+            <a:fillRect/>
+          </a:stretch>
+        </p:blipFill>
+        <p:spPr>
+          <a:xfrm>
             <a:off x="2169554" y="18838679"/>
             <a:ext cx="10160655" cy="8053415"/>
           </a:xfrm>
@@ -4213,7 +4656,7 @@
               <a:rPr lang="en-GB" sz="3200" i="0" dirty="0">
                 <a:effectLst/>
               </a:rPr>
-              <a:t>[].</a:t>
+              <a:t>[4].</a:t>
             </a:r>
           </a:p>
           <a:p>
@@ -4237,17 +4680,8 @@
               <a:rPr lang="en-GB" sz="3200" i="0" dirty="0">
                 <a:effectLst/>
               </a:rPr>
-              <a:t>s on part-whole </a:t>
-            </a:r>
-            <a:r>
-              <a:rPr lang="en-GB" sz="3200" i="0">
-                <a:effectLst/>
-              </a:rPr>
-              <a:t>relationships [].</a:t>
-            </a:r>
-            <a:endParaRPr lang="en-GB" sz="3200" i="0" dirty="0">
-              <a:effectLst/>
-            </a:endParaRPr>
+              <a:t>s on part-whole relationships [4].</a:t>
+            </a:r>
           </a:p>
           <a:p>
             <a:pPr marL="285750" indent="-285750">
@@ -4276,7 +4710,7 @@
               <a:rPr lang="en-GB" sz="3200" i="0" dirty="0">
                 <a:effectLst/>
               </a:rPr>
-              <a:t>and affine transformations [].</a:t>
+              <a:t>and affine transformations [6].</a:t>
             </a:r>
           </a:p>
           <a:p>
@@ -4306,7 +4740,7 @@
               <a:rPr lang="en-GB" sz="3200" i="0" dirty="0">
                 <a:effectLst/>
               </a:rPr>
-              <a:t>about the position of an entity [].</a:t>
+              <a:t>about the position of an entity [6].</a:t>
             </a:r>
             <a:endParaRPr lang="en-GB" sz="3200" dirty="0">
               <a:solidFill>
@@ -4409,7 +4843,7 @@
               <a:rPr lang="en-GB" sz="2800" b="0" i="0" dirty="0">
                 <a:effectLst/>
               </a:rPr>
-              <a:t> dataset (Grade I – III) [].</a:t>
+              <a:t> dataset (Grade I – III) [2].</a:t>
             </a:r>
             <a:endParaRPr lang="en-GB" sz="2800" dirty="0"/>
           </a:p>
@@ -4430,7 +4864,7 @@
           <p:nvPr/>
         </p:nvPicPr>
         <p:blipFill>
-          <a:blip r:embed="rId5"/>
+          <a:blip r:embed="rId6"/>
           <a:stretch>
             <a:fillRect/>
           </a:stretch>
@@ -4487,7 +4921,7 @@
               <a:rPr lang="en-GB" sz="2800" b="0" i="0" dirty="0">
                 <a:effectLst/>
               </a:rPr>
-              <a:t>: Examples of the BACH dataset [].</a:t>
+              <a:t>: Examples of the BACH dataset [1].</a:t>
             </a:r>
             <a:endParaRPr lang="en-GB" sz="2800" dirty="0"/>
           </a:p>
@@ -4508,42 +4942,6 @@
           <p:nvPr/>
         </p:nvPicPr>
         <p:blipFill>
-          <a:blip r:embed="rId6">
-            <a:extLst>
-              <a:ext uri="{28A0092B-C50C-407E-A947-70E740481C1C}">
-                <a14:useLocalDpi xmlns:a14="http://schemas.microsoft.com/office/drawing/2010/main" val="0"/>
-              </a:ext>
-            </a:extLst>
-          </a:blip>
-          <a:stretch>
-            <a:fillRect/>
-          </a:stretch>
-        </p:blipFill>
-        <p:spPr>
-          <a:xfrm>
-            <a:off x="16553409" y="12808220"/>
-            <a:ext cx="3418642" cy="2572682"/>
-          </a:xfrm>
-          <a:prstGeom prst="rect">
-            <a:avLst/>
-          </a:prstGeom>
-        </p:spPr>
-      </p:pic>
-      <p:pic>
-        <p:nvPicPr>
-          <p:cNvPr id="63" name="Picture 62">
-            <a:extLst>
-              <a:ext uri="{FF2B5EF4-FFF2-40B4-BE49-F238E27FC236}">
-                <a16:creationId xmlns:a16="http://schemas.microsoft.com/office/drawing/2014/main" id="{E6631164-6F8C-4CA9-B777-B860937C52B4}"/>
-              </a:ext>
-            </a:extLst>
-          </p:cNvPr>
-          <p:cNvPicPr>
-            <a:picLocks/>
-          </p:cNvPicPr>
-          <p:nvPr/>
-        </p:nvPicPr>
-        <p:blipFill>
           <a:blip r:embed="rId7">
             <a:extLst>
               <a:ext uri="{28A0092B-C50C-407E-A947-70E740481C1C}">
@@ -4557,8 +4955,8 @@
         </p:blipFill>
         <p:spPr>
           <a:xfrm>
-            <a:off x="19972051" y="12809356"/>
-            <a:ext cx="3420000" cy="2574000"/>
+            <a:off x="16553409" y="12808220"/>
+            <a:ext cx="3418642" cy="2572682"/>
           </a:xfrm>
           <a:prstGeom prst="rect">
             <a:avLst/>
@@ -4567,10 +4965,10 @@
       </p:pic>
       <p:pic>
         <p:nvPicPr>
-          <p:cNvPr id="65" name="Picture 64">
+          <p:cNvPr id="63" name="Picture 62">
             <a:extLst>
               <a:ext uri="{FF2B5EF4-FFF2-40B4-BE49-F238E27FC236}">
-                <a16:creationId xmlns:a16="http://schemas.microsoft.com/office/drawing/2014/main" id="{B9FFAE43-2C48-49A3-8814-ACB2DC341A42}"/>
+                <a16:creationId xmlns:a16="http://schemas.microsoft.com/office/drawing/2014/main" id="{E6631164-6F8C-4CA9-B777-B860937C52B4}"/>
               </a:ext>
             </a:extLst>
           </p:cNvPr>
@@ -4593,8 +4991,8 @@
         </p:blipFill>
         <p:spPr>
           <a:xfrm>
-            <a:off x="23339123" y="12811859"/>
-            <a:ext cx="3420000" cy="2574107"/>
+            <a:off x="19972051" y="12809356"/>
+            <a:ext cx="3420000" cy="2564127"/>
           </a:xfrm>
           <a:prstGeom prst="rect">
             <a:avLst/>
@@ -4603,15 +5001,15 @@
       </p:pic>
       <p:pic>
         <p:nvPicPr>
-          <p:cNvPr id="67" name="Picture 66" descr="A picture containing fabric&#10;&#10;Description automatically generated">
+          <p:cNvPr id="65" name="Picture 64">
             <a:extLst>
               <a:ext uri="{FF2B5EF4-FFF2-40B4-BE49-F238E27FC236}">
-                <a16:creationId xmlns:a16="http://schemas.microsoft.com/office/drawing/2014/main" id="{A5DF1CAD-3F48-4342-A206-F8AB78FCDE04}"/>
+                <a16:creationId xmlns:a16="http://schemas.microsoft.com/office/drawing/2014/main" id="{B9FFAE43-2C48-49A3-8814-ACB2DC341A42}"/>
               </a:ext>
             </a:extLst>
           </p:cNvPr>
           <p:cNvPicPr>
-            <a:picLocks noChangeAspect="1"/>
+            <a:picLocks/>
           </p:cNvPicPr>
           <p:nvPr/>
         </p:nvPicPr>
@@ -4629,8 +5027,8 @@
         </p:blipFill>
         <p:spPr>
           <a:xfrm>
-            <a:off x="19068737" y="9906916"/>
-            <a:ext cx="2361375" cy="2361375"/>
+            <a:off x="23339123" y="12792809"/>
+            <a:ext cx="3420000" cy="2574107"/>
           </a:xfrm>
           <a:prstGeom prst="rect">
             <a:avLst/>
@@ -4639,10 +5037,10 @@
       </p:pic>
       <p:pic>
         <p:nvPicPr>
-          <p:cNvPr id="69" name="Picture 68" descr="A picture containing purple, scarf, fabric&#10;&#10;Description automatically generated">
+          <p:cNvPr id="67" name="Picture 66" descr="A picture containing fabric&#10;&#10;Description automatically generated">
             <a:extLst>
               <a:ext uri="{FF2B5EF4-FFF2-40B4-BE49-F238E27FC236}">
-                <a16:creationId xmlns:a16="http://schemas.microsoft.com/office/drawing/2014/main" id="{7B4A8F91-B404-4B90-BE47-92D0360B8C35}"/>
+                <a16:creationId xmlns:a16="http://schemas.microsoft.com/office/drawing/2014/main" id="{A5DF1CAD-3F48-4342-A206-F8AB78FCDE04}"/>
               </a:ext>
             </a:extLst>
           </p:cNvPr>
@@ -4665,7 +5063,7 @@
         </p:blipFill>
         <p:spPr>
           <a:xfrm>
-            <a:off x="21430112" y="9902624"/>
+            <a:off x="19068737" y="9906916"/>
             <a:ext cx="2361375" cy="2361375"/>
           </a:xfrm>
           <a:prstGeom prst="rect">
@@ -4673,219 +5071,12 @@
           </a:prstGeom>
         </p:spPr>
       </p:pic>
-      <p:sp>
-        <p:nvSpPr>
-          <p:cNvPr id="70" name="TextBox 69">
+      <p:pic>
+        <p:nvPicPr>
+          <p:cNvPr id="69" name="Picture 68" descr="A picture containing purple, scarf, fabric&#10;&#10;Description automatically generated">
             <a:extLst>
               <a:ext uri="{FF2B5EF4-FFF2-40B4-BE49-F238E27FC236}">
-                <a16:creationId xmlns:a16="http://schemas.microsoft.com/office/drawing/2014/main" id="{34288C6A-F0A6-4C6C-ADF4-D527949EDD91}"/>
-              </a:ext>
-            </a:extLst>
-          </p:cNvPr>
-          <p:cNvSpPr txBox="1"/>
-          <p:nvPr/>
-        </p:nvSpPr>
-        <p:spPr>
-          <a:xfrm>
-            <a:off x="15250412" y="12285463"/>
-            <a:ext cx="12495569" cy="523220"/>
-          </a:xfrm>
-          <a:prstGeom prst="rect">
-            <a:avLst/>
-          </a:prstGeom>
-          <a:noFill/>
-        </p:spPr>
-        <p:txBody>
-          <a:bodyPr wrap="square" rtlCol="0">
-            <a:spAutoFit/>
-          </a:bodyPr>
-          <a:lstStyle/>
-          <a:p>
-            <a:pPr algn="ctr"/>
-            <a:r>
-              <a:rPr lang="en-GB" sz="2800" b="0" i="0" dirty="0">
-                <a:solidFill>
-                  <a:srgbClr val="666666"/>
-                </a:solidFill>
-                <a:effectLst/>
-              </a:rPr>
-              <a:t>Figure 3</a:t>
-            </a:r>
-            <a:r>
-              <a:rPr lang="en-GB" sz="2800" b="0" i="0" dirty="0">
-                <a:effectLst/>
-              </a:rPr>
-              <a:t>: Examples of the </a:t>
-            </a:r>
-            <a:r>
-              <a:rPr lang="en-GB" sz="2800" b="0" i="0" dirty="0" err="1">
-                <a:effectLst/>
-              </a:rPr>
-              <a:t>BreakHis</a:t>
-            </a:r>
-            <a:r>
-              <a:rPr lang="en-GB" sz="2800" b="0" i="0" dirty="0">
-                <a:effectLst/>
-              </a:rPr>
-              <a:t> dataset (Benign &amp; Malignant) [].</a:t>
-            </a:r>
-            <a:endParaRPr lang="en-GB" sz="2800" dirty="0"/>
-          </a:p>
-        </p:txBody>
-      </p:sp>
-      <p:sp>
-        <p:nvSpPr>
-          <p:cNvPr id="86" name="Rectangle: Rounded Corners 85">
-            <a:extLst>
-              <a:ext uri="{FF2B5EF4-FFF2-40B4-BE49-F238E27FC236}">
-                <a16:creationId xmlns:a16="http://schemas.microsoft.com/office/drawing/2014/main" id="{DADBA820-A638-444E-B4F5-978A042A412D}"/>
-              </a:ext>
-            </a:extLst>
-          </p:cNvPr>
-          <p:cNvSpPr/>
-          <p:nvPr/>
-        </p:nvSpPr>
-        <p:spPr>
-          <a:xfrm>
-            <a:off x="14809965" y="19740060"/>
-            <a:ext cx="13320000" cy="1107997"/>
-          </a:xfrm>
-          <a:prstGeom prst="roundRect">
-            <a:avLst/>
-          </a:prstGeom>
-          <a:solidFill>
-            <a:srgbClr val="666666"/>
-          </a:solidFill>
-          <a:ln>
-            <a:solidFill>
-              <a:srgbClr val="666666"/>
-            </a:solidFill>
-          </a:ln>
-        </p:spPr>
-        <p:style>
-          <a:lnRef idx="2">
-            <a:schemeClr val="accent1">
-              <a:shade val="50000"/>
-            </a:schemeClr>
-          </a:lnRef>
-          <a:fillRef idx="1">
-            <a:schemeClr val="accent1"/>
-          </a:fillRef>
-          <a:effectRef idx="0">
-            <a:schemeClr val="accent1"/>
-          </a:effectRef>
-          <a:fontRef idx="minor">
-            <a:schemeClr val="lt1"/>
-          </a:fontRef>
-        </p:style>
-        <p:txBody>
-          <a:bodyPr rtlCol="0" anchor="ctr"/>
-          <a:lstStyle/>
-          <a:p>
-            <a:pPr algn="ctr"/>
-            <a:endParaRPr lang="en-GB" dirty="0"/>
-          </a:p>
-        </p:txBody>
-      </p:sp>
-      <p:sp>
-        <p:nvSpPr>
-          <p:cNvPr id="87" name="Rectangle 86">
-            <a:extLst>
-              <a:ext uri="{FF2B5EF4-FFF2-40B4-BE49-F238E27FC236}">
-                <a16:creationId xmlns:a16="http://schemas.microsoft.com/office/drawing/2014/main" id="{629C5F8B-767B-48E7-B0B7-173A1C1776BD}"/>
-              </a:ext>
-            </a:extLst>
-          </p:cNvPr>
-          <p:cNvSpPr/>
-          <p:nvPr/>
-        </p:nvSpPr>
-        <p:spPr>
-          <a:xfrm>
-            <a:off x="14741881" y="20655845"/>
-            <a:ext cx="13388084" cy="9004596"/>
-          </a:xfrm>
-          <a:prstGeom prst="rect">
-            <a:avLst/>
-          </a:prstGeom>
-          <a:solidFill>
-            <a:schemeClr val="bg1"/>
-          </a:solidFill>
-          <a:ln>
-            <a:solidFill>
-              <a:schemeClr val="bg1"/>
-            </a:solidFill>
-          </a:ln>
-        </p:spPr>
-        <p:style>
-          <a:lnRef idx="2">
-            <a:schemeClr val="accent1">
-              <a:shade val="50000"/>
-            </a:schemeClr>
-          </a:lnRef>
-          <a:fillRef idx="1">
-            <a:schemeClr val="accent1"/>
-          </a:fillRef>
-          <a:effectRef idx="0">
-            <a:schemeClr val="accent1"/>
-          </a:effectRef>
-          <a:fontRef idx="minor">
-            <a:schemeClr val="lt1"/>
-          </a:fontRef>
-        </p:style>
-        <p:txBody>
-          <a:bodyPr rtlCol="0" anchor="ctr"/>
-          <a:lstStyle/>
-          <a:p>
-            <a:pPr algn="ctr"/>
-            <a:endParaRPr lang="en-GB"/>
-          </a:p>
-        </p:txBody>
-      </p:sp>
-      <p:sp>
-        <p:nvSpPr>
-          <p:cNvPr id="88" name="TextBox 87">
-            <a:extLst>
-              <a:ext uri="{FF2B5EF4-FFF2-40B4-BE49-F238E27FC236}">
-                <a16:creationId xmlns:a16="http://schemas.microsoft.com/office/drawing/2014/main" id="{C9C30A4A-71DD-4613-A175-DEEE315B40F8}"/>
-              </a:ext>
-            </a:extLst>
-          </p:cNvPr>
-          <p:cNvSpPr txBox="1"/>
-          <p:nvPr/>
-        </p:nvSpPr>
-        <p:spPr>
-          <a:xfrm>
-            <a:off x="15290265" y="19740474"/>
-            <a:ext cx="12839700" cy="1015663"/>
-          </a:xfrm>
-          <a:prstGeom prst="rect">
-            <a:avLst/>
-          </a:prstGeom>
-          <a:noFill/>
-        </p:spPr>
-        <p:txBody>
-          <a:bodyPr wrap="square" rtlCol="0">
-            <a:spAutoFit/>
-          </a:bodyPr>
-          <a:lstStyle/>
-          <a:p>
-            <a:r>
-              <a:rPr lang="en-GB" sz="6000" b="1" dirty="0">
-                <a:solidFill>
-                  <a:schemeClr val="bg1"/>
-                </a:solidFill>
-              </a:rPr>
-              <a:t>Architecture</a:t>
-            </a:r>
-          </a:p>
-        </p:txBody>
-      </p:sp>
-      <p:pic>
-        <p:nvPicPr>
-          <p:cNvPr id="72" name="Picture 71" descr="Diagram&#10;&#10;Description automatically generated">
-            <a:extLst>
-              <a:ext uri="{FF2B5EF4-FFF2-40B4-BE49-F238E27FC236}">
-                <a16:creationId xmlns:a16="http://schemas.microsoft.com/office/drawing/2014/main" id="{CB99FB83-3ACA-4467-A6B8-C9DE1DFBF995}"/>
+                <a16:creationId xmlns:a16="http://schemas.microsoft.com/office/drawing/2014/main" id="{7B4A8F91-B404-4B90-BE47-92D0360B8C35}"/>
               </a:ext>
             </a:extLst>
           </p:cNvPr>
@@ -4908,8 +5099,8 @@
         </p:blipFill>
         <p:spPr>
           <a:xfrm>
-            <a:off x="15290265" y="22191348"/>
-            <a:ext cx="11841809" cy="4029719"/>
+            <a:off x="21430112" y="9902624"/>
+            <a:ext cx="2361375" cy="2361375"/>
           </a:xfrm>
           <a:prstGeom prst="rect">
             <a:avLst/>
@@ -4918,10 +5109,10 @@
       </p:pic>
       <p:sp>
         <p:nvSpPr>
-          <p:cNvPr id="89" name="TextBox 88">
+          <p:cNvPr id="70" name="TextBox 69">
             <a:extLst>
               <a:ext uri="{FF2B5EF4-FFF2-40B4-BE49-F238E27FC236}">
-                <a16:creationId xmlns:a16="http://schemas.microsoft.com/office/drawing/2014/main" id="{62469731-5E4E-4259-BB54-ABCB15E2AB2B}"/>
+                <a16:creationId xmlns:a16="http://schemas.microsoft.com/office/drawing/2014/main" id="{34288C6A-F0A6-4C6C-ADF4-D527949EDD91}"/>
               </a:ext>
             </a:extLst>
           </p:cNvPr>
@@ -4930,89 +5121,8 @@
         </p:nvSpPr>
         <p:spPr>
           <a:xfrm>
-            <a:off x="15129434" y="20766265"/>
-            <a:ext cx="12839700" cy="1569660"/>
-          </a:xfrm>
-          <a:prstGeom prst="rect">
-            <a:avLst/>
-          </a:prstGeom>
-          <a:noFill/>
-        </p:spPr>
-        <p:txBody>
-          <a:bodyPr wrap="square" rtlCol="0">
-            <a:spAutoFit/>
-          </a:bodyPr>
-          <a:lstStyle/>
-          <a:p>
-            <a:pPr marL="285750" indent="-285750">
-              <a:buClr>
-                <a:srgbClr val="86153B"/>
-              </a:buClr>
-              <a:buFont typeface="Arial" panose="020B0604020202020204" pitchFamily="34" charset="0"/>
-              <a:buChar char="•"/>
-            </a:pPr>
-            <a:r>
-              <a:rPr lang="en-GB" sz="3200" i="0" dirty="0">
-                <a:effectLst/>
-              </a:rPr>
-              <a:t>Two stage architecture as in [].</a:t>
-            </a:r>
-          </a:p>
-          <a:p>
-            <a:pPr marL="285750" indent="-285750">
-              <a:buClr>
-                <a:srgbClr val="86153B"/>
-              </a:buClr>
-              <a:buFont typeface="Arial" panose="020B0604020202020204" pitchFamily="34" charset="0"/>
-              <a:buChar char="•"/>
-            </a:pPr>
-            <a:r>
-              <a:rPr lang="en-GB" sz="3200" i="0" dirty="0">
-                <a:effectLst/>
-              </a:rPr>
-              <a:t>First model (Patch-wise network) downscales </a:t>
-            </a:r>
-            <a:r>
-              <a:rPr lang="en-GB" sz="3200" dirty="0"/>
-              <a:t>patches.</a:t>
-            </a:r>
-            <a:endParaRPr lang="en-GB" sz="3200" i="0" dirty="0">
-              <a:effectLst/>
-            </a:endParaRPr>
-          </a:p>
-          <a:p>
-            <a:pPr marL="285750" indent="-285750">
-              <a:buClr>
-                <a:srgbClr val="86153B"/>
-              </a:buClr>
-              <a:buFont typeface="Arial" panose="020B0604020202020204" pitchFamily="34" charset="0"/>
-              <a:buChar char="•"/>
-            </a:pPr>
-            <a:r>
-              <a:rPr lang="en-GB" sz="3200" i="0" dirty="0">
-                <a:effectLst/>
-              </a:rPr>
-              <a:t>Second model (Image-wise network) uses patch-voting to establish label.</a:t>
-            </a:r>
-          </a:p>
-        </p:txBody>
-      </p:sp>
-      <p:sp>
-        <p:nvSpPr>
-          <p:cNvPr id="92" name="TextBox 91">
-            <a:extLst>
-              <a:ext uri="{FF2B5EF4-FFF2-40B4-BE49-F238E27FC236}">
-                <a16:creationId xmlns:a16="http://schemas.microsoft.com/office/drawing/2014/main" id="{9C4FF7EF-6E0B-4BF5-BC95-FFE38913060D}"/>
-              </a:ext>
-            </a:extLst>
-          </p:cNvPr>
-          <p:cNvSpPr txBox="1"/>
-          <p:nvPr/>
-        </p:nvSpPr>
-        <p:spPr>
-          <a:xfrm>
-            <a:off x="16276256" y="26359343"/>
-            <a:ext cx="9546481" cy="523220"/>
+            <a:off x="15250412" y="12285463"/>
+            <a:ext cx="12495569" cy="523220"/>
           </a:xfrm>
           <a:prstGeom prst="rect">
             <a:avLst/>
@@ -5033,13 +5143,25 @@
                 </a:solidFill>
                 <a:effectLst/>
               </a:rPr>
-              <a:t>Figure 6</a:t>
+              <a:t>Figure 3</a:t>
             </a:r>
             <a:r>
               <a:rPr lang="en-GB" sz="2800" b="0" i="0" dirty="0">
                 <a:effectLst/>
               </a:rPr>
-              <a:t>: Image-wise Phase of Training.</a:t>
+              <a:t>: Examples of the </a:t>
+            </a:r>
+            <a:r>
+              <a:rPr lang="en-GB" sz="2800" b="0" i="0" dirty="0" err="1">
+                <a:effectLst/>
+              </a:rPr>
+              <a:t>BreakHis</a:t>
+            </a:r>
+            <a:r>
+              <a:rPr lang="en-GB" sz="2800" b="0" i="0" dirty="0">
+                <a:effectLst/>
+              </a:rPr>
+              <a:t> dataset (Benign &amp; Malignant) [8].</a:t>
             </a:r>
             <a:endParaRPr lang="en-GB" sz="2800" dirty="0"/>
           </a:p>
@@ -5047,229 +5169,10 @@
       </p:sp>
       <p:sp>
         <p:nvSpPr>
-          <p:cNvPr id="93" name="TextBox 92">
+          <p:cNvPr id="86" name="Rectangle: Rounded Corners 85">
             <a:extLst>
               <a:ext uri="{FF2B5EF4-FFF2-40B4-BE49-F238E27FC236}">
-                <a16:creationId xmlns:a16="http://schemas.microsoft.com/office/drawing/2014/main" id="{2E1FC272-97AC-40AD-88FD-D8E9F8B1CC1C}"/>
-              </a:ext>
-            </a:extLst>
-          </p:cNvPr>
-          <p:cNvSpPr txBox="1"/>
-          <p:nvPr/>
-        </p:nvSpPr>
-        <p:spPr>
-          <a:xfrm>
-            <a:off x="15050115" y="27217579"/>
-            <a:ext cx="12839700" cy="2062103"/>
-          </a:xfrm>
-          <a:prstGeom prst="rect">
-            <a:avLst/>
-          </a:prstGeom>
-          <a:noFill/>
-        </p:spPr>
-        <p:txBody>
-          <a:bodyPr wrap="square" rtlCol="0">
-            <a:spAutoFit/>
-          </a:bodyPr>
-          <a:lstStyle/>
-          <a:p>
-            <a:pPr marL="285750" indent="-285750">
-              <a:buClr>
-                <a:srgbClr val="86153B"/>
-              </a:buClr>
-              <a:buFont typeface="Arial" panose="020B0604020202020204" pitchFamily="34" charset="0"/>
-              <a:buChar char="•"/>
-            </a:pPr>
-            <a:r>
-              <a:rPr lang="en-GB" sz="3200" i="0" dirty="0">
-                <a:effectLst/>
-              </a:rPr>
-              <a:t>Patch-wise network fixed. </a:t>
-            </a:r>
-          </a:p>
-          <a:p>
-            <a:pPr marL="285750" indent="-285750">
-              <a:buClr>
-                <a:srgbClr val="86153B"/>
-              </a:buClr>
-              <a:buFont typeface="Arial" panose="020B0604020202020204" pitchFamily="34" charset="0"/>
-              <a:buChar char="•"/>
-            </a:pPr>
-            <a:r>
-              <a:rPr lang="en-GB" sz="3200" dirty="0"/>
-              <a:t>Image-wise network: </a:t>
-            </a:r>
-            <a:r>
-              <a:rPr lang="en-GB" sz="3200" dirty="0" err="1"/>
-              <a:t>BaseCNN</a:t>
-            </a:r>
-            <a:r>
-              <a:rPr lang="en-GB" sz="3200" dirty="0"/>
-              <a:t>, </a:t>
-            </a:r>
-            <a:r>
-              <a:rPr lang="en-GB" sz="3200" dirty="0" err="1"/>
-              <a:t>NazeriCNN</a:t>
-            </a:r>
-            <a:r>
-              <a:rPr lang="en-GB" sz="3200" dirty="0"/>
-              <a:t>, </a:t>
-            </a:r>
-            <a:r>
-              <a:rPr lang="en-GB" sz="3200" dirty="0" err="1"/>
-              <a:t>DynamicCapsules</a:t>
-            </a:r>
-            <a:r>
-              <a:rPr lang="en-GB" sz="3200" dirty="0"/>
-              <a:t>, </a:t>
-            </a:r>
-            <a:r>
-              <a:rPr lang="en-GB" sz="3200" dirty="0" err="1"/>
-              <a:t>SRCapsules</a:t>
-            </a:r>
-            <a:r>
-              <a:rPr lang="en-GB" sz="3200" dirty="0"/>
-              <a:t>, </a:t>
-            </a:r>
-            <a:r>
-              <a:rPr lang="en-GB" sz="3200" dirty="0" err="1"/>
-              <a:t>VariationalCapsules</a:t>
-            </a:r>
-            <a:r>
-              <a:rPr lang="en-GB" sz="3200" dirty="0"/>
-              <a:t>. </a:t>
-            </a:r>
-          </a:p>
-          <a:p>
-            <a:pPr marL="285750" indent="-285750">
-              <a:buClr>
-                <a:srgbClr val="86153B"/>
-              </a:buClr>
-              <a:buFont typeface="Arial" panose="020B0604020202020204" pitchFamily="34" charset="0"/>
-              <a:buChar char="•"/>
-            </a:pPr>
-            <a:r>
-              <a:rPr lang="en-GB" sz="3200" i="0" dirty="0">
-                <a:effectLst/>
-              </a:rPr>
-              <a:t>Mixed Networks: </a:t>
-            </a:r>
-            <a:r>
-              <a:rPr lang="en-GB" sz="3200" i="0" dirty="0" err="1">
-                <a:effectLst/>
-              </a:rPr>
-              <a:t>EfficientNet</a:t>
-            </a:r>
-            <a:r>
-              <a:rPr lang="en-GB" sz="3200" i="0" dirty="0">
-                <a:effectLst/>
-              </a:rPr>
-              <a:t>, </a:t>
-            </a:r>
-            <a:r>
-              <a:rPr lang="en-GB" sz="3200" i="0" dirty="0" err="1">
-                <a:effectLst/>
-              </a:rPr>
-              <a:t>VariationalMixedCapsules</a:t>
-            </a:r>
-            <a:r>
-              <a:rPr lang="en-GB" sz="3200" i="0" dirty="0">
-                <a:effectLst/>
-              </a:rPr>
-              <a:t>.</a:t>
-            </a:r>
-          </a:p>
-        </p:txBody>
-      </p:sp>
-      <p:sp>
-        <p:nvSpPr>
-          <p:cNvPr id="94" name="TextBox 93">
-            <a:extLst>
-              <a:ext uri="{FF2B5EF4-FFF2-40B4-BE49-F238E27FC236}">
-                <a16:creationId xmlns:a16="http://schemas.microsoft.com/office/drawing/2014/main" id="{EDC1CBED-28E9-4286-9F28-5F03D86673E2}"/>
-              </a:ext>
-            </a:extLst>
-          </p:cNvPr>
-          <p:cNvSpPr txBox="1"/>
-          <p:nvPr/>
-        </p:nvSpPr>
-        <p:spPr>
-          <a:xfrm>
-            <a:off x="15290265" y="9255715"/>
-            <a:ext cx="12839700" cy="584775"/>
-          </a:xfrm>
-          <a:prstGeom prst="rect">
-            <a:avLst/>
-          </a:prstGeom>
-          <a:noFill/>
-        </p:spPr>
-        <p:txBody>
-          <a:bodyPr wrap="square" rtlCol="0">
-            <a:spAutoFit/>
-          </a:bodyPr>
-          <a:lstStyle/>
-          <a:p>
-            <a:pPr marL="285750" indent="-285750">
-              <a:buClr>
-                <a:srgbClr val="86153B"/>
-              </a:buClr>
-              <a:buFont typeface="Arial" panose="020B0604020202020204" pitchFamily="34" charset="0"/>
-              <a:buChar char="•"/>
-            </a:pPr>
-            <a:r>
-              <a:rPr lang="en-GB" sz="3200" i="0" dirty="0">
-                <a:effectLst/>
-              </a:rPr>
-              <a:t>3 datasets, patched to 512 x 512 using 2 different strides.</a:t>
-            </a:r>
-          </a:p>
-        </p:txBody>
-      </p:sp>
-      <p:sp>
-        <p:nvSpPr>
-          <p:cNvPr id="95" name="TextBox 94">
-            <a:extLst>
-              <a:ext uri="{FF2B5EF4-FFF2-40B4-BE49-F238E27FC236}">
-                <a16:creationId xmlns:a16="http://schemas.microsoft.com/office/drawing/2014/main" id="{1875E312-473E-4EF6-99F3-D7E3F405B79F}"/>
-              </a:ext>
-            </a:extLst>
-          </p:cNvPr>
-          <p:cNvSpPr txBox="1"/>
-          <p:nvPr/>
-        </p:nvSpPr>
-        <p:spPr>
-          <a:xfrm>
-            <a:off x="29230699" y="8132540"/>
-            <a:ext cx="12839700" cy="1015663"/>
-          </a:xfrm>
-          <a:prstGeom prst="rect">
-            <a:avLst/>
-          </a:prstGeom>
-          <a:noFill/>
-        </p:spPr>
-        <p:txBody>
-          <a:bodyPr wrap="square" rtlCol="0">
-            <a:spAutoFit/>
-          </a:bodyPr>
-          <a:lstStyle/>
-          <a:p>
-            <a:r>
-              <a:rPr lang="en-GB" sz="6000" b="1" dirty="0">
-                <a:solidFill>
-                  <a:schemeClr val="bg1"/>
-                </a:solidFill>
-              </a:rPr>
-              <a:t>Results</a:t>
-            </a:r>
-          </a:p>
-        </p:txBody>
-      </p:sp>
-      <p:sp>
-        <p:nvSpPr>
-          <p:cNvPr id="96" name="Rectangle: Rounded Corners 95">
-            <a:extLst>
-              <a:ext uri="{FF2B5EF4-FFF2-40B4-BE49-F238E27FC236}">
-                <a16:creationId xmlns:a16="http://schemas.microsoft.com/office/drawing/2014/main" id="{58A4333B-14F4-493C-8126-BE5ACCEE0F4F}"/>
+                <a16:creationId xmlns:a16="http://schemas.microsoft.com/office/drawing/2014/main" id="{DADBA820-A638-444E-B4F5-978A042A412D}"/>
               </a:ext>
             </a:extLst>
           </p:cNvPr>
@@ -5278,7 +5181,7 @@
         </p:nvSpPr>
         <p:spPr>
           <a:xfrm>
-            <a:off x="28866163" y="14022792"/>
+            <a:off x="14809965" y="19740060"/>
             <a:ext cx="13320000" cy="1107997"/>
           </a:xfrm>
           <a:prstGeom prst="roundRect">
@@ -5320,10 +5223,10 @@
       </p:sp>
       <p:sp>
         <p:nvSpPr>
-          <p:cNvPr id="97" name="Rectangle 96">
+          <p:cNvPr id="87" name="Rectangle 86">
             <a:extLst>
               <a:ext uri="{FF2B5EF4-FFF2-40B4-BE49-F238E27FC236}">
-                <a16:creationId xmlns:a16="http://schemas.microsoft.com/office/drawing/2014/main" id="{BCF24EAB-A88A-45FE-968A-4BB1BB216DFA}"/>
+                <a16:creationId xmlns:a16="http://schemas.microsoft.com/office/drawing/2014/main" id="{629C5F8B-767B-48E7-B0B7-173A1C1776BD}"/>
               </a:ext>
             </a:extLst>
           </p:cNvPr>
@@ -5332,8 +5235,8 @@
         </p:nvSpPr>
         <p:spPr>
           <a:xfrm>
-            <a:off x="28866163" y="14977086"/>
-            <a:ext cx="13320000" cy="4280782"/>
+            <a:off x="14741881" y="20655845"/>
+            <a:ext cx="13388084" cy="9004596"/>
           </a:xfrm>
           <a:prstGeom prst="rect">
             <a:avLst/>
@@ -5374,10 +5277,10 @@
       </p:sp>
       <p:sp>
         <p:nvSpPr>
-          <p:cNvPr id="98" name="TextBox 97">
+          <p:cNvPr id="88" name="TextBox 87">
             <a:extLst>
               <a:ext uri="{FF2B5EF4-FFF2-40B4-BE49-F238E27FC236}">
-                <a16:creationId xmlns:a16="http://schemas.microsoft.com/office/drawing/2014/main" id="{8B38F6E7-4DDB-4002-8F98-C4857C0F7B86}"/>
+                <a16:creationId xmlns:a16="http://schemas.microsoft.com/office/drawing/2014/main" id="{C9C30A4A-71DD-4613-A175-DEEE315B40F8}"/>
               </a:ext>
             </a:extLst>
           </p:cNvPr>
@@ -5386,7 +5289,7 @@
         </p:nvSpPr>
         <p:spPr>
           <a:xfrm>
-            <a:off x="29288581" y="13992108"/>
+            <a:off x="15290265" y="19740474"/>
             <a:ext cx="12839700" cy="1015663"/>
           </a:xfrm>
           <a:prstGeom prst="rect">
@@ -5406,17 +5309,401 @@
                   <a:schemeClr val="bg1"/>
                 </a:solidFill>
               </a:rPr>
-              <a:t>Conclusion</a:t>
-            </a:r>
-          </a:p>
-        </p:txBody>
-      </p:sp>
-      <p:sp>
-        <p:nvSpPr>
-          <p:cNvPr id="99" name="Rectangle: Rounded Corners 98">
+              <a:t>Architecture</a:t>
+            </a:r>
+          </a:p>
+        </p:txBody>
+      </p:sp>
+      <p:pic>
+        <p:nvPicPr>
+          <p:cNvPr id="72" name="Picture 71" descr="Diagram&#10;&#10;Description automatically generated">
             <a:extLst>
               <a:ext uri="{FF2B5EF4-FFF2-40B4-BE49-F238E27FC236}">
-                <a16:creationId xmlns:a16="http://schemas.microsoft.com/office/drawing/2014/main" id="{8392B945-4303-4E72-A16F-72DA648A57A6}"/>
+                <a16:creationId xmlns:a16="http://schemas.microsoft.com/office/drawing/2014/main" id="{CB99FB83-3ACA-4467-A6B8-C9DE1DFBF995}"/>
+              </a:ext>
+            </a:extLst>
+          </p:cNvPr>
+          <p:cNvPicPr>
+            <a:picLocks noChangeAspect="1"/>
+          </p:cNvPicPr>
+          <p:nvPr/>
+        </p:nvPicPr>
+        <p:blipFill>
+          <a:blip r:embed="rId12">
+            <a:extLst>
+              <a:ext uri="{28A0092B-C50C-407E-A947-70E740481C1C}">
+                <a14:useLocalDpi xmlns:a14="http://schemas.microsoft.com/office/drawing/2010/main" val="0"/>
+              </a:ext>
+            </a:extLst>
+          </a:blip>
+          <a:stretch>
+            <a:fillRect/>
+          </a:stretch>
+        </p:blipFill>
+        <p:spPr>
+          <a:xfrm>
+            <a:off x="15290265" y="22191348"/>
+            <a:ext cx="11841809" cy="4029719"/>
+          </a:xfrm>
+          <a:prstGeom prst="rect">
+            <a:avLst/>
+          </a:prstGeom>
+        </p:spPr>
+      </p:pic>
+      <p:sp>
+        <p:nvSpPr>
+          <p:cNvPr id="89" name="TextBox 88">
+            <a:extLst>
+              <a:ext uri="{FF2B5EF4-FFF2-40B4-BE49-F238E27FC236}">
+                <a16:creationId xmlns:a16="http://schemas.microsoft.com/office/drawing/2014/main" id="{62469731-5E4E-4259-BB54-ABCB15E2AB2B}"/>
+              </a:ext>
+            </a:extLst>
+          </p:cNvPr>
+          <p:cNvSpPr txBox="1"/>
+          <p:nvPr/>
+        </p:nvSpPr>
+        <p:spPr>
+          <a:xfrm>
+            <a:off x="15129434" y="20766265"/>
+            <a:ext cx="12839700" cy="1569660"/>
+          </a:xfrm>
+          <a:prstGeom prst="rect">
+            <a:avLst/>
+          </a:prstGeom>
+          <a:noFill/>
+        </p:spPr>
+        <p:txBody>
+          <a:bodyPr wrap="square" rtlCol="0">
+            <a:spAutoFit/>
+          </a:bodyPr>
+          <a:lstStyle/>
+          <a:p>
+            <a:pPr marL="285750" indent="-285750">
+              <a:buClr>
+                <a:srgbClr val="86153B"/>
+              </a:buClr>
+              <a:buFont typeface="Arial" panose="020B0604020202020204" pitchFamily="34" charset="0"/>
+              <a:buChar char="•"/>
+            </a:pPr>
+            <a:r>
+              <a:rPr lang="en-GB" sz="3200" i="0" dirty="0">
+                <a:effectLst/>
+              </a:rPr>
+              <a:t>Two stage architecture as in [5].</a:t>
+            </a:r>
+          </a:p>
+          <a:p>
+            <a:pPr marL="285750" indent="-285750">
+              <a:buClr>
+                <a:srgbClr val="86153B"/>
+              </a:buClr>
+              <a:buFont typeface="Arial" panose="020B0604020202020204" pitchFamily="34" charset="0"/>
+              <a:buChar char="•"/>
+            </a:pPr>
+            <a:r>
+              <a:rPr lang="en-GB" sz="3200" i="0" dirty="0">
+                <a:effectLst/>
+              </a:rPr>
+              <a:t>First model (Patch-wise network) downscales </a:t>
+            </a:r>
+            <a:r>
+              <a:rPr lang="en-GB" sz="3200" dirty="0"/>
+              <a:t>patches.</a:t>
+            </a:r>
+            <a:endParaRPr lang="en-GB" sz="3200" i="0" dirty="0">
+              <a:effectLst/>
+            </a:endParaRPr>
+          </a:p>
+          <a:p>
+            <a:pPr marL="285750" indent="-285750">
+              <a:buClr>
+                <a:srgbClr val="86153B"/>
+              </a:buClr>
+              <a:buFont typeface="Arial" panose="020B0604020202020204" pitchFamily="34" charset="0"/>
+              <a:buChar char="•"/>
+            </a:pPr>
+            <a:r>
+              <a:rPr lang="en-GB" sz="3200" i="0" dirty="0">
+                <a:effectLst/>
+              </a:rPr>
+              <a:t>Second model (Image-wise network) uses patch-voting to establish label.</a:t>
+            </a:r>
+          </a:p>
+        </p:txBody>
+      </p:sp>
+      <p:sp>
+        <p:nvSpPr>
+          <p:cNvPr id="92" name="TextBox 91">
+            <a:extLst>
+              <a:ext uri="{FF2B5EF4-FFF2-40B4-BE49-F238E27FC236}">
+                <a16:creationId xmlns:a16="http://schemas.microsoft.com/office/drawing/2014/main" id="{9C4FF7EF-6E0B-4BF5-BC95-FFE38913060D}"/>
+              </a:ext>
+            </a:extLst>
+          </p:cNvPr>
+          <p:cNvSpPr txBox="1"/>
+          <p:nvPr/>
+        </p:nvSpPr>
+        <p:spPr>
+          <a:xfrm>
+            <a:off x="16276256" y="26359343"/>
+            <a:ext cx="9546481" cy="523220"/>
+          </a:xfrm>
+          <a:prstGeom prst="rect">
+            <a:avLst/>
+          </a:prstGeom>
+          <a:noFill/>
+        </p:spPr>
+        <p:txBody>
+          <a:bodyPr wrap="square" rtlCol="0">
+            <a:spAutoFit/>
+          </a:bodyPr>
+          <a:lstStyle/>
+          <a:p>
+            <a:pPr algn="ctr"/>
+            <a:r>
+              <a:rPr lang="en-GB" sz="2800" b="0" i="0" dirty="0">
+                <a:solidFill>
+                  <a:srgbClr val="666666"/>
+                </a:solidFill>
+                <a:effectLst/>
+              </a:rPr>
+              <a:t>Figure 6</a:t>
+            </a:r>
+            <a:r>
+              <a:rPr lang="en-GB" sz="2800" b="0" i="0" dirty="0">
+                <a:effectLst/>
+              </a:rPr>
+              <a:t>: Image-wise Phase of Training.</a:t>
+            </a:r>
+            <a:endParaRPr lang="en-GB" sz="2800" dirty="0"/>
+          </a:p>
+        </p:txBody>
+      </p:sp>
+      <p:sp>
+        <p:nvSpPr>
+          <p:cNvPr id="93" name="TextBox 92">
+            <a:extLst>
+              <a:ext uri="{FF2B5EF4-FFF2-40B4-BE49-F238E27FC236}">
+                <a16:creationId xmlns:a16="http://schemas.microsoft.com/office/drawing/2014/main" id="{2E1FC272-97AC-40AD-88FD-D8E9F8B1CC1C}"/>
+              </a:ext>
+            </a:extLst>
+          </p:cNvPr>
+          <p:cNvSpPr txBox="1"/>
+          <p:nvPr/>
+        </p:nvSpPr>
+        <p:spPr>
+          <a:xfrm>
+            <a:off x="15050115" y="27217579"/>
+            <a:ext cx="12839700" cy="2062103"/>
+          </a:xfrm>
+          <a:prstGeom prst="rect">
+            <a:avLst/>
+          </a:prstGeom>
+          <a:noFill/>
+        </p:spPr>
+        <p:txBody>
+          <a:bodyPr wrap="square" rtlCol="0">
+            <a:spAutoFit/>
+          </a:bodyPr>
+          <a:lstStyle/>
+          <a:p>
+            <a:pPr marL="285750" indent="-285750">
+              <a:buClr>
+                <a:srgbClr val="86153B"/>
+              </a:buClr>
+              <a:buFont typeface="Arial" panose="020B0604020202020204" pitchFamily="34" charset="0"/>
+              <a:buChar char="•"/>
+            </a:pPr>
+            <a:r>
+              <a:rPr lang="en-GB" sz="3200" i="0" dirty="0">
+                <a:effectLst/>
+              </a:rPr>
+              <a:t>Patch-wise network fixed. </a:t>
+            </a:r>
+          </a:p>
+          <a:p>
+            <a:pPr marL="285750" indent="-285750">
+              <a:buClr>
+                <a:srgbClr val="86153B"/>
+              </a:buClr>
+              <a:buFont typeface="Arial" panose="020B0604020202020204" pitchFamily="34" charset="0"/>
+              <a:buChar char="•"/>
+            </a:pPr>
+            <a:r>
+              <a:rPr lang="en-GB" sz="3200" dirty="0"/>
+              <a:t>Image-wise network: </a:t>
+            </a:r>
+            <a:r>
+              <a:rPr lang="en-GB" sz="3200" dirty="0" err="1"/>
+              <a:t>BaseCNN</a:t>
+            </a:r>
+            <a:r>
+              <a:rPr lang="en-GB" sz="3200" dirty="0"/>
+              <a:t>, </a:t>
+            </a:r>
+            <a:r>
+              <a:rPr lang="en-GB" sz="3200" dirty="0" err="1"/>
+              <a:t>NazeriCNN</a:t>
+            </a:r>
+            <a:r>
+              <a:rPr lang="en-GB" sz="3200" dirty="0"/>
+              <a:t>, </a:t>
+            </a:r>
+            <a:r>
+              <a:rPr lang="en-GB" sz="3200" dirty="0" err="1"/>
+              <a:t>DynamicCapsules</a:t>
+            </a:r>
+            <a:r>
+              <a:rPr lang="en-GB" sz="3200" dirty="0"/>
+              <a:t>, </a:t>
+            </a:r>
+            <a:r>
+              <a:rPr lang="en-GB" sz="3200" dirty="0" err="1"/>
+              <a:t>SRCapsules</a:t>
+            </a:r>
+            <a:r>
+              <a:rPr lang="en-GB" sz="3200" dirty="0"/>
+              <a:t>, </a:t>
+            </a:r>
+            <a:r>
+              <a:rPr lang="en-GB" sz="3200" dirty="0" err="1"/>
+              <a:t>VariationalCapsules</a:t>
+            </a:r>
+            <a:r>
+              <a:rPr lang="en-GB" sz="3200" dirty="0"/>
+              <a:t>. </a:t>
+            </a:r>
+          </a:p>
+          <a:p>
+            <a:pPr marL="285750" indent="-285750">
+              <a:buClr>
+                <a:srgbClr val="86153B"/>
+              </a:buClr>
+              <a:buFont typeface="Arial" panose="020B0604020202020204" pitchFamily="34" charset="0"/>
+              <a:buChar char="•"/>
+            </a:pPr>
+            <a:r>
+              <a:rPr lang="en-GB" sz="3200" i="0" dirty="0">
+                <a:effectLst/>
+              </a:rPr>
+              <a:t>Mixed Networks: </a:t>
+            </a:r>
+            <a:r>
+              <a:rPr lang="en-GB" sz="3200" i="0" dirty="0" err="1">
+                <a:effectLst/>
+              </a:rPr>
+              <a:t>EfficientNet</a:t>
+            </a:r>
+            <a:r>
+              <a:rPr lang="en-GB" sz="3200" i="0" dirty="0">
+                <a:effectLst/>
+              </a:rPr>
+              <a:t>, </a:t>
+            </a:r>
+            <a:r>
+              <a:rPr lang="en-GB" sz="3200" i="0" dirty="0" err="1">
+                <a:effectLst/>
+              </a:rPr>
+              <a:t>VariationalMixedCapsules</a:t>
+            </a:r>
+            <a:r>
+              <a:rPr lang="en-GB" sz="3200" i="0" dirty="0">
+                <a:effectLst/>
+              </a:rPr>
+              <a:t>.</a:t>
+            </a:r>
+          </a:p>
+        </p:txBody>
+      </p:sp>
+      <p:sp>
+        <p:nvSpPr>
+          <p:cNvPr id="94" name="TextBox 93">
+            <a:extLst>
+              <a:ext uri="{FF2B5EF4-FFF2-40B4-BE49-F238E27FC236}">
+                <a16:creationId xmlns:a16="http://schemas.microsoft.com/office/drawing/2014/main" id="{EDC1CBED-28E9-4286-9F28-5F03D86673E2}"/>
+              </a:ext>
+            </a:extLst>
+          </p:cNvPr>
+          <p:cNvSpPr txBox="1"/>
+          <p:nvPr/>
+        </p:nvSpPr>
+        <p:spPr>
+          <a:xfrm>
+            <a:off x="15290265" y="9255715"/>
+            <a:ext cx="12839700" cy="584775"/>
+          </a:xfrm>
+          <a:prstGeom prst="rect">
+            <a:avLst/>
+          </a:prstGeom>
+          <a:noFill/>
+        </p:spPr>
+        <p:txBody>
+          <a:bodyPr wrap="square" rtlCol="0">
+            <a:spAutoFit/>
+          </a:bodyPr>
+          <a:lstStyle/>
+          <a:p>
+            <a:pPr marL="285750" indent="-285750">
+              <a:buClr>
+                <a:srgbClr val="86153B"/>
+              </a:buClr>
+              <a:buFont typeface="Arial" panose="020B0604020202020204" pitchFamily="34" charset="0"/>
+              <a:buChar char="•"/>
+            </a:pPr>
+            <a:r>
+              <a:rPr lang="en-GB" sz="3200" i="0" dirty="0">
+                <a:effectLst/>
+              </a:rPr>
+              <a:t>3 datasets, patched to 512 x 512 using 2 different strides.</a:t>
+            </a:r>
+          </a:p>
+        </p:txBody>
+      </p:sp>
+      <p:sp>
+        <p:nvSpPr>
+          <p:cNvPr id="95" name="TextBox 94">
+            <a:extLst>
+              <a:ext uri="{FF2B5EF4-FFF2-40B4-BE49-F238E27FC236}">
+                <a16:creationId xmlns:a16="http://schemas.microsoft.com/office/drawing/2014/main" id="{1875E312-473E-4EF6-99F3-D7E3F405B79F}"/>
+              </a:ext>
+            </a:extLst>
+          </p:cNvPr>
+          <p:cNvSpPr txBox="1"/>
+          <p:nvPr/>
+        </p:nvSpPr>
+        <p:spPr>
+          <a:xfrm>
+            <a:off x="29230699" y="8132540"/>
+            <a:ext cx="12839700" cy="1015663"/>
+          </a:xfrm>
+          <a:prstGeom prst="rect">
+            <a:avLst/>
+          </a:prstGeom>
+          <a:noFill/>
+        </p:spPr>
+        <p:txBody>
+          <a:bodyPr wrap="square" rtlCol="0">
+            <a:spAutoFit/>
+          </a:bodyPr>
+          <a:lstStyle/>
+          <a:p>
+            <a:r>
+              <a:rPr lang="en-GB" sz="6000" b="1" dirty="0">
+                <a:solidFill>
+                  <a:schemeClr val="bg1"/>
+                </a:solidFill>
+              </a:rPr>
+              <a:t>Results</a:t>
+            </a:r>
+          </a:p>
+        </p:txBody>
+      </p:sp>
+      <p:sp>
+        <p:nvSpPr>
+          <p:cNvPr id="96" name="Rectangle: Rounded Corners 95">
+            <a:extLst>
+              <a:ext uri="{FF2B5EF4-FFF2-40B4-BE49-F238E27FC236}">
+                <a16:creationId xmlns:a16="http://schemas.microsoft.com/office/drawing/2014/main" id="{58A4333B-14F4-493C-8126-BE5ACCEE0F4F}"/>
               </a:ext>
             </a:extLst>
           </p:cNvPr>
@@ -5425,7 +5712,7 @@
         </p:nvSpPr>
         <p:spPr>
           <a:xfrm>
-            <a:off x="28808281" y="19913044"/>
+            <a:off x="28750399" y="17170286"/>
             <a:ext cx="13320000" cy="1107997"/>
           </a:xfrm>
           <a:prstGeom prst="roundRect">
@@ -5467,10 +5754,10 @@
       </p:sp>
       <p:sp>
         <p:nvSpPr>
-          <p:cNvPr id="100" name="Rectangle 99">
+          <p:cNvPr id="97" name="Rectangle 96">
             <a:extLst>
               <a:ext uri="{FF2B5EF4-FFF2-40B4-BE49-F238E27FC236}">
-                <a16:creationId xmlns:a16="http://schemas.microsoft.com/office/drawing/2014/main" id="{F2CDDA17-C26F-4328-BBF7-410BF06F8CB9}"/>
+                <a16:creationId xmlns:a16="http://schemas.microsoft.com/office/drawing/2014/main" id="{BCF24EAB-A88A-45FE-968A-4BB1BB216DFA}"/>
               </a:ext>
             </a:extLst>
           </p:cNvPr>
@@ -5479,8 +5766,8 @@
         </p:nvSpPr>
         <p:spPr>
           <a:xfrm>
-            <a:off x="28808281" y="20867338"/>
-            <a:ext cx="13320000" cy="5014080"/>
+            <a:off x="28750399" y="18031216"/>
+            <a:ext cx="13320000" cy="2983496"/>
           </a:xfrm>
           <a:prstGeom prst="rect">
             <a:avLst/>
@@ -5521,10 +5808,10 @@
       </p:sp>
       <p:sp>
         <p:nvSpPr>
-          <p:cNvPr id="101" name="TextBox 100">
+          <p:cNvPr id="98" name="TextBox 97">
             <a:extLst>
               <a:ext uri="{FF2B5EF4-FFF2-40B4-BE49-F238E27FC236}">
-                <a16:creationId xmlns:a16="http://schemas.microsoft.com/office/drawing/2014/main" id="{DB712288-9097-4299-A1BE-CB4788A99D62}"/>
+                <a16:creationId xmlns:a16="http://schemas.microsoft.com/office/drawing/2014/main" id="{8B38F6E7-4DDB-4002-8F98-C4857C0F7B86}"/>
               </a:ext>
             </a:extLst>
           </p:cNvPr>
@@ -5533,7 +5820,7 @@
         </p:nvSpPr>
         <p:spPr>
           <a:xfrm>
-            <a:off x="29230699" y="19882360"/>
+            <a:off x="29172817" y="17139602"/>
             <a:ext cx="12839700" cy="1015663"/>
           </a:xfrm>
           <a:prstGeom prst="rect">
@@ -5553,17 +5840,17 @@
                   <a:schemeClr val="bg1"/>
                 </a:solidFill>
               </a:rPr>
-              <a:t>References</a:t>
-            </a:r>
-          </a:p>
-        </p:txBody>
-      </p:sp>
-      <p:sp>
-        <p:nvSpPr>
-          <p:cNvPr id="102" name="Rectangle: Rounded Corners 101">
+              <a:t>Conclusion</a:t>
+            </a:r>
+          </a:p>
+        </p:txBody>
+      </p:sp>
+      <p:sp>
+        <p:nvSpPr>
+          <p:cNvPr id="99" name="Rectangle: Rounded Corners 98">
             <a:extLst>
               <a:ext uri="{FF2B5EF4-FFF2-40B4-BE49-F238E27FC236}">
-                <a16:creationId xmlns:a16="http://schemas.microsoft.com/office/drawing/2014/main" id="{68515F27-FFB3-4ADB-BC4B-5CC4732888BF}"/>
+                <a16:creationId xmlns:a16="http://schemas.microsoft.com/office/drawing/2014/main" id="{8392B945-4303-4E72-A16F-72DA648A57A6}"/>
               </a:ext>
             </a:extLst>
           </p:cNvPr>
@@ -5572,7 +5859,7 @@
         </p:nvSpPr>
         <p:spPr>
           <a:xfrm>
-            <a:off x="28750399" y="26264733"/>
+            <a:off x="28750399" y="21714200"/>
             <a:ext cx="13320000" cy="1107997"/>
           </a:xfrm>
           <a:prstGeom prst="roundRect">
@@ -5614,10 +5901,10 @@
       </p:sp>
       <p:sp>
         <p:nvSpPr>
-          <p:cNvPr id="103" name="Rectangle 102">
+          <p:cNvPr id="100" name="Rectangle 99">
             <a:extLst>
               <a:ext uri="{FF2B5EF4-FFF2-40B4-BE49-F238E27FC236}">
-                <a16:creationId xmlns:a16="http://schemas.microsoft.com/office/drawing/2014/main" id="{B6F10A7E-0843-4297-8092-66779E064D78}"/>
+                <a16:creationId xmlns:a16="http://schemas.microsoft.com/office/drawing/2014/main" id="{F2CDDA17-C26F-4328-BBF7-410BF06F8CB9}"/>
               </a:ext>
             </a:extLst>
           </p:cNvPr>
@@ -5626,8 +5913,8 @@
         </p:nvSpPr>
         <p:spPr>
           <a:xfrm>
-            <a:off x="28750399" y="27219028"/>
-            <a:ext cx="13320000" cy="2406137"/>
+            <a:off x="28750399" y="22668494"/>
+            <a:ext cx="13320000" cy="2991856"/>
           </a:xfrm>
           <a:prstGeom prst="rect">
             <a:avLst/>
@@ -5668,6 +5955,153 @@
       </p:sp>
       <p:sp>
         <p:nvSpPr>
+          <p:cNvPr id="101" name="TextBox 100">
+            <a:extLst>
+              <a:ext uri="{FF2B5EF4-FFF2-40B4-BE49-F238E27FC236}">
+                <a16:creationId xmlns:a16="http://schemas.microsoft.com/office/drawing/2014/main" id="{DB712288-9097-4299-A1BE-CB4788A99D62}"/>
+              </a:ext>
+            </a:extLst>
+          </p:cNvPr>
+          <p:cNvSpPr txBox="1"/>
+          <p:nvPr/>
+        </p:nvSpPr>
+        <p:spPr>
+          <a:xfrm>
+            <a:off x="29172817" y="21683516"/>
+            <a:ext cx="12839700" cy="1015663"/>
+          </a:xfrm>
+          <a:prstGeom prst="rect">
+            <a:avLst/>
+          </a:prstGeom>
+          <a:noFill/>
+        </p:spPr>
+        <p:txBody>
+          <a:bodyPr wrap="square" rtlCol="0">
+            <a:spAutoFit/>
+          </a:bodyPr>
+          <a:lstStyle/>
+          <a:p>
+            <a:r>
+              <a:rPr lang="en-GB" sz="6000" b="1" dirty="0">
+                <a:solidFill>
+                  <a:schemeClr val="bg1"/>
+                </a:solidFill>
+              </a:rPr>
+              <a:t>References</a:t>
+            </a:r>
+          </a:p>
+        </p:txBody>
+      </p:sp>
+      <p:sp>
+        <p:nvSpPr>
+          <p:cNvPr id="102" name="Rectangle: Rounded Corners 101">
+            <a:extLst>
+              <a:ext uri="{FF2B5EF4-FFF2-40B4-BE49-F238E27FC236}">
+                <a16:creationId xmlns:a16="http://schemas.microsoft.com/office/drawing/2014/main" id="{68515F27-FFB3-4ADB-BC4B-5CC4732888BF}"/>
+              </a:ext>
+            </a:extLst>
+          </p:cNvPr>
+          <p:cNvSpPr/>
+          <p:nvPr/>
+        </p:nvSpPr>
+        <p:spPr>
+          <a:xfrm>
+            <a:off x="28750399" y="26264733"/>
+            <a:ext cx="13320000" cy="1107997"/>
+          </a:xfrm>
+          <a:prstGeom prst="roundRect">
+            <a:avLst/>
+          </a:prstGeom>
+          <a:solidFill>
+            <a:srgbClr val="666666"/>
+          </a:solidFill>
+          <a:ln>
+            <a:solidFill>
+              <a:srgbClr val="666666"/>
+            </a:solidFill>
+          </a:ln>
+        </p:spPr>
+        <p:style>
+          <a:lnRef idx="2">
+            <a:schemeClr val="accent1">
+              <a:shade val="50000"/>
+            </a:schemeClr>
+          </a:lnRef>
+          <a:fillRef idx="1">
+            <a:schemeClr val="accent1"/>
+          </a:fillRef>
+          <a:effectRef idx="0">
+            <a:schemeClr val="accent1"/>
+          </a:effectRef>
+          <a:fontRef idx="minor">
+            <a:schemeClr val="lt1"/>
+          </a:fontRef>
+        </p:style>
+        <p:txBody>
+          <a:bodyPr rtlCol="0" anchor="ctr"/>
+          <a:lstStyle/>
+          <a:p>
+            <a:pPr algn="ctr"/>
+            <a:endParaRPr lang="en-GB" dirty="0"/>
+          </a:p>
+        </p:txBody>
+      </p:sp>
+      <p:sp>
+        <p:nvSpPr>
+          <p:cNvPr id="103" name="Rectangle 102">
+            <a:extLst>
+              <a:ext uri="{FF2B5EF4-FFF2-40B4-BE49-F238E27FC236}">
+                <a16:creationId xmlns:a16="http://schemas.microsoft.com/office/drawing/2014/main" id="{B6F10A7E-0843-4297-8092-66779E064D78}"/>
+              </a:ext>
+            </a:extLst>
+          </p:cNvPr>
+          <p:cNvSpPr/>
+          <p:nvPr/>
+        </p:nvSpPr>
+        <p:spPr>
+          <a:xfrm>
+            <a:off x="28750399" y="27219028"/>
+            <a:ext cx="13320000" cy="2406137"/>
+          </a:xfrm>
+          <a:prstGeom prst="rect">
+            <a:avLst/>
+          </a:prstGeom>
+          <a:solidFill>
+            <a:schemeClr val="bg1"/>
+          </a:solidFill>
+          <a:ln>
+            <a:solidFill>
+              <a:schemeClr val="bg1"/>
+            </a:solidFill>
+          </a:ln>
+        </p:spPr>
+        <p:style>
+          <a:lnRef idx="2">
+            <a:schemeClr val="accent1">
+              <a:shade val="50000"/>
+            </a:schemeClr>
+          </a:lnRef>
+          <a:fillRef idx="1">
+            <a:schemeClr val="accent1"/>
+          </a:fillRef>
+          <a:effectRef idx="0">
+            <a:schemeClr val="accent1"/>
+          </a:effectRef>
+          <a:fontRef idx="minor">
+            <a:schemeClr val="lt1"/>
+          </a:fontRef>
+        </p:style>
+        <p:txBody>
+          <a:bodyPr rtlCol="0" anchor="ctr"/>
+          <a:lstStyle/>
+          <a:p>
+            <a:pPr algn="ctr"/>
+            <a:endParaRPr lang="en-GB"/>
+          </a:p>
+        </p:txBody>
+      </p:sp>
+      <p:sp>
+        <p:nvSpPr>
           <p:cNvPr id="104" name="TextBox 103">
             <a:extLst>
               <a:ext uri="{FF2B5EF4-FFF2-40B4-BE49-F238E27FC236}">
@@ -5758,13 +6192,13 @@
             <a:r>
               <a:rPr lang="en-GB" sz="3200" i="0" dirty="0">
                 <a:effectLst/>
-                <a:hlinkClick r:id="rId12"/>
+                <a:hlinkClick r:id="rId13"/>
               </a:rPr>
               <a:t>m.</a:t>
             </a:r>
             <a:r>
               <a:rPr lang="en-GB" sz="3200" dirty="0">
-                <a:hlinkClick r:id="rId12"/>
+                <a:hlinkClick r:id="rId13"/>
               </a:rPr>
               <a:t>veiner.17@adbn.ac.uk</a:t>
             </a:r>
@@ -5805,7 +6239,7 @@
           <p:nvPr/>
         </p:nvPicPr>
         <p:blipFill>
-          <a:blip r:embed="rId13">
+          <a:blip r:embed="rId14">
             <a:extLst>
               <a:ext uri="{28A0092B-C50C-407E-A947-70E740481C1C}">
                 <a14:useLocalDpi xmlns:a14="http://schemas.microsoft.com/office/drawing/2010/main" val="0"/>
@@ -5826,6 +6260,591 @@
           </a:prstGeom>
         </p:spPr>
       </p:pic>
+      <p:pic>
+        <p:nvPicPr>
+          <p:cNvPr id="3" name="Picture 2">
+            <a:extLst>
+              <a:ext uri="{FF2B5EF4-FFF2-40B4-BE49-F238E27FC236}">
+                <a16:creationId xmlns:a16="http://schemas.microsoft.com/office/drawing/2014/main" id="{9EA449A1-F270-4886-9586-5911BB89A29A}"/>
+              </a:ext>
+            </a:extLst>
+          </p:cNvPr>
+          <p:cNvPicPr>
+            <a:picLocks noChangeAspect="1"/>
+          </p:cNvPicPr>
+          <p:nvPr/>
+        </p:nvPicPr>
+        <p:blipFill>
+          <a:blip r:embed="rId15"/>
+          <a:stretch>
+            <a:fillRect/>
+          </a:stretch>
+        </p:blipFill>
+        <p:spPr>
+          <a:xfrm>
+            <a:off x="28858204" y="9148203"/>
+            <a:ext cx="11938052" cy="7283672"/>
+          </a:xfrm>
+          <a:prstGeom prst="rect">
+            <a:avLst/>
+          </a:prstGeom>
+        </p:spPr>
+      </p:pic>
+      <p:sp>
+        <p:nvSpPr>
+          <p:cNvPr id="57" name="TextBox 56">
+            <a:extLst>
+              <a:ext uri="{FF2B5EF4-FFF2-40B4-BE49-F238E27FC236}">
+                <a16:creationId xmlns:a16="http://schemas.microsoft.com/office/drawing/2014/main" id="{1A32544D-F694-47C9-8320-92EE85734061}"/>
+              </a:ext>
+            </a:extLst>
+          </p:cNvPr>
+          <p:cNvSpPr txBox="1"/>
+          <p:nvPr/>
+        </p:nvSpPr>
+        <p:spPr>
+          <a:xfrm>
+            <a:off x="37653477" y="10225514"/>
+            <a:ext cx="3142779" cy="954107"/>
+          </a:xfrm>
+          <a:prstGeom prst="rect">
+            <a:avLst/>
+          </a:prstGeom>
+          <a:noFill/>
+        </p:spPr>
+        <p:txBody>
+          <a:bodyPr wrap="square" rtlCol="0">
+            <a:spAutoFit/>
+          </a:bodyPr>
+          <a:lstStyle/>
+          <a:p>
+            <a:pPr algn="ctr"/>
+            <a:r>
+              <a:rPr lang="en-GB" sz="2800" b="0" i="0">
+                <a:solidFill>
+                  <a:srgbClr val="666666"/>
+                </a:solidFill>
+                <a:effectLst/>
+              </a:rPr>
+              <a:t>Table 1</a:t>
+            </a:r>
+            <a:r>
+              <a:rPr lang="en-GB" sz="2800" b="0" i="0">
+                <a:effectLst/>
+              </a:rPr>
+              <a:t>: </a:t>
+            </a:r>
+            <a:r>
+              <a:rPr lang="en-GB" sz="2800" b="0" i="0" dirty="0">
+                <a:effectLst/>
+              </a:rPr>
+              <a:t>Overall Performance.</a:t>
+            </a:r>
+            <a:endParaRPr lang="en-GB" sz="2800" dirty="0"/>
+          </a:p>
+        </p:txBody>
+      </p:sp>
+      <p:sp>
+        <p:nvSpPr>
+          <p:cNvPr id="60" name="TextBox 59">
+            <a:extLst>
+              <a:ext uri="{FF2B5EF4-FFF2-40B4-BE49-F238E27FC236}">
+                <a16:creationId xmlns:a16="http://schemas.microsoft.com/office/drawing/2014/main" id="{F9BB19F5-E908-4D3C-8BF4-14B18A795DF0}"/>
+              </a:ext>
+            </a:extLst>
+          </p:cNvPr>
+          <p:cNvSpPr txBox="1"/>
+          <p:nvPr/>
+        </p:nvSpPr>
+        <p:spPr>
+          <a:xfrm>
+            <a:off x="29048431" y="18066287"/>
+            <a:ext cx="12839700" cy="1569660"/>
+          </a:xfrm>
+          <a:prstGeom prst="rect">
+            <a:avLst/>
+          </a:prstGeom>
+          <a:noFill/>
+        </p:spPr>
+        <p:txBody>
+          <a:bodyPr wrap="square" rtlCol="0">
+            <a:spAutoFit/>
+          </a:bodyPr>
+          <a:lstStyle/>
+          <a:p>
+            <a:pPr marL="285750" indent="-285750">
+              <a:buClr>
+                <a:srgbClr val="86153B"/>
+              </a:buClr>
+              <a:buFont typeface="Arial" panose="020B0604020202020204" pitchFamily="34" charset="0"/>
+              <a:buChar char="•"/>
+            </a:pPr>
+            <a:r>
+              <a:rPr lang="en-GB" sz="3200" dirty="0" err="1"/>
+              <a:t>BreakHis</a:t>
+            </a:r>
+            <a:r>
+              <a:rPr lang="en-GB" sz="3200" dirty="0"/>
+              <a:t>: competing with published results.</a:t>
+            </a:r>
+            <a:endParaRPr lang="en-GB" sz="3200" i="0" dirty="0">
+              <a:effectLst/>
+            </a:endParaRPr>
+          </a:p>
+          <a:p>
+            <a:pPr marL="285750" indent="-285750">
+              <a:buClr>
+                <a:srgbClr val="86153B"/>
+              </a:buClr>
+              <a:buFont typeface="Arial" panose="020B0604020202020204" pitchFamily="34" charset="0"/>
+              <a:buChar char="•"/>
+            </a:pPr>
+            <a:r>
+              <a:rPr lang="en-GB" sz="3200" i="0" dirty="0" err="1">
+                <a:effectLst/>
+              </a:rPr>
+              <a:t>Databiox</a:t>
+            </a:r>
+            <a:r>
+              <a:rPr lang="en-GB" sz="3200" i="0" dirty="0">
+                <a:effectLst/>
+              </a:rPr>
+              <a:t>: Poor overall performance, models stuck.</a:t>
+            </a:r>
+          </a:p>
+          <a:p>
+            <a:pPr marL="285750" indent="-285750">
+              <a:buClr>
+                <a:srgbClr val="86153B"/>
+              </a:buClr>
+              <a:buFont typeface="Arial" panose="020B0604020202020204" pitchFamily="34" charset="0"/>
+              <a:buChar char="•"/>
+            </a:pPr>
+            <a:r>
+              <a:rPr lang="en-GB" sz="3200" i="0" dirty="0">
+                <a:effectLst/>
+              </a:rPr>
+              <a:t>BACH: </a:t>
+            </a:r>
+            <a:r>
+              <a:rPr lang="en-GB" sz="3200" i="0" dirty="0" err="1">
+                <a:effectLst/>
+              </a:rPr>
+              <a:t>EffNet</a:t>
+            </a:r>
+            <a:r>
+              <a:rPr lang="en-GB" sz="3200" i="0" dirty="0">
+                <a:effectLst/>
+              </a:rPr>
+              <a:t> competing performance. </a:t>
+            </a:r>
+          </a:p>
+        </p:txBody>
+      </p:sp>
+      <p:sp>
+        <p:nvSpPr>
+          <p:cNvPr id="62" name="TextBox 61">
+            <a:extLst>
+              <a:ext uri="{FF2B5EF4-FFF2-40B4-BE49-F238E27FC236}">
+                <a16:creationId xmlns:a16="http://schemas.microsoft.com/office/drawing/2014/main" id="{7E82ACDD-B4D0-4CB1-A311-82CE7C7569CE}"/>
+              </a:ext>
+            </a:extLst>
+          </p:cNvPr>
+          <p:cNvSpPr txBox="1"/>
+          <p:nvPr/>
+        </p:nvSpPr>
+        <p:spPr>
+          <a:xfrm>
+            <a:off x="29048431" y="19816622"/>
+            <a:ext cx="12839700" cy="1077218"/>
+          </a:xfrm>
+          <a:prstGeom prst="rect">
+            <a:avLst/>
+          </a:prstGeom>
+          <a:noFill/>
+        </p:spPr>
+        <p:txBody>
+          <a:bodyPr wrap="square" rtlCol="0">
+            <a:spAutoFit/>
+          </a:bodyPr>
+          <a:lstStyle/>
+          <a:p>
+            <a:pPr marL="285750" indent="-285750">
+              <a:buClr>
+                <a:srgbClr val="86153B"/>
+              </a:buClr>
+              <a:buFont typeface="Arial" panose="020B0604020202020204" pitchFamily="34" charset="0"/>
+              <a:buChar char="•"/>
+            </a:pPr>
+            <a:r>
+              <a:rPr lang="en-GB" sz="3200" dirty="0"/>
+              <a:t>Two-staged approach: Capsules outperforming baseline CNNs.</a:t>
+            </a:r>
+            <a:endParaRPr lang="en-GB" sz="3200" i="0" dirty="0">
+              <a:effectLst/>
+            </a:endParaRPr>
+          </a:p>
+          <a:p>
+            <a:pPr marL="285750" indent="-285750">
+              <a:buClr>
+                <a:srgbClr val="86153B"/>
+              </a:buClr>
+              <a:buFont typeface="Arial" panose="020B0604020202020204" pitchFamily="34" charset="0"/>
+              <a:buChar char="•"/>
+            </a:pPr>
+            <a:r>
+              <a:rPr lang="en-GB" sz="3200" i="0" dirty="0">
+                <a:effectLst/>
+              </a:rPr>
+              <a:t>Overall: Transfer Learning superior.</a:t>
+            </a:r>
+          </a:p>
+        </p:txBody>
+      </p:sp>
+      <p:sp>
+        <p:nvSpPr>
+          <p:cNvPr id="64" name="TextBox 63">
+            <a:extLst>
+              <a:ext uri="{FF2B5EF4-FFF2-40B4-BE49-F238E27FC236}">
+                <a16:creationId xmlns:a16="http://schemas.microsoft.com/office/drawing/2014/main" id="{6B344A61-F8B5-44CF-B2F8-33B14835D3EF}"/>
+              </a:ext>
+            </a:extLst>
+          </p:cNvPr>
+          <p:cNvSpPr txBox="1"/>
+          <p:nvPr/>
+        </p:nvSpPr>
+        <p:spPr>
+          <a:xfrm>
+            <a:off x="29057956" y="22622173"/>
+            <a:ext cx="12839700" cy="3416320"/>
+          </a:xfrm>
+          <a:prstGeom prst="rect">
+            <a:avLst/>
+          </a:prstGeom>
+          <a:noFill/>
+        </p:spPr>
+        <p:txBody>
+          <a:bodyPr wrap="square" rtlCol="0">
+            <a:spAutoFit/>
+          </a:bodyPr>
+          <a:lstStyle/>
+          <a:p>
+            <a:r>
+              <a:rPr lang="en" sz="1800" dirty="0">
+                <a:latin typeface="Calibri" panose="020F0502020204030204" pitchFamily="34" charset="0"/>
+              </a:rPr>
+              <a:t>[</a:t>
+            </a:r>
+            <a:r>
+              <a:rPr lang="en-GB" sz="1800" dirty="0">
+                <a:latin typeface="Calibri" panose="020F0502020204030204" pitchFamily="34" charset="0"/>
+              </a:rPr>
+              <a:t>1]  Guilherme  </a:t>
+            </a:r>
+            <a:r>
+              <a:rPr lang="en-GB" sz="1800" dirty="0" err="1">
+                <a:latin typeface="Calibri" panose="020F0502020204030204" pitchFamily="34" charset="0"/>
+              </a:rPr>
+              <a:t>Aresta</a:t>
+            </a:r>
+            <a:r>
+              <a:rPr lang="en-GB" sz="1800" dirty="0">
+                <a:latin typeface="Calibri" panose="020F0502020204030204" pitchFamily="34" charset="0"/>
+              </a:rPr>
+              <a:t>, et al. Bach: Grand challenge on breast cancer histology images. Medical image analysis, 56:122–139, 2019.</a:t>
+            </a:r>
+          </a:p>
+          <a:p>
+            <a:r>
+              <a:rPr lang="en" sz="1800" dirty="0">
+                <a:latin typeface="Calibri" panose="020F0502020204030204" pitchFamily="34" charset="0"/>
+              </a:rPr>
+              <a:t>[</a:t>
+            </a:r>
+            <a:r>
+              <a:rPr lang="en-GB" sz="1800" dirty="0">
+                <a:latin typeface="Calibri" panose="020F0502020204030204" pitchFamily="34" charset="0"/>
+              </a:rPr>
+              <a:t>2]  </a:t>
+            </a:r>
+            <a:r>
+              <a:rPr lang="en-GB" sz="1800" dirty="0" err="1">
+                <a:latin typeface="Calibri" panose="020F0502020204030204" pitchFamily="34" charset="0"/>
+              </a:rPr>
+              <a:t>Hamidreza</a:t>
+            </a:r>
+            <a:r>
+              <a:rPr lang="en-GB" sz="1800" dirty="0">
+                <a:latin typeface="Calibri" panose="020F0502020204030204" pitchFamily="34" charset="0"/>
+              </a:rPr>
+              <a:t> </a:t>
+            </a:r>
+            <a:r>
+              <a:rPr lang="en-GB" sz="1800" dirty="0" err="1">
+                <a:latin typeface="Calibri" panose="020F0502020204030204" pitchFamily="34" charset="0"/>
+              </a:rPr>
+              <a:t>Bolhasani</a:t>
+            </a:r>
+            <a:r>
+              <a:rPr lang="en-GB" sz="1800" dirty="0">
+                <a:latin typeface="Calibri" panose="020F0502020204030204" pitchFamily="34" charset="0"/>
+              </a:rPr>
+              <a:t>, et al. </a:t>
+            </a:r>
+            <a:r>
+              <a:rPr lang="en-GB" sz="1800" dirty="0" err="1">
+                <a:latin typeface="Calibri" panose="020F0502020204030204" pitchFamily="34" charset="0"/>
+              </a:rPr>
+              <a:t>Informaticsin</a:t>
+            </a:r>
+            <a:r>
+              <a:rPr lang="en-GB" sz="1800" dirty="0">
+                <a:latin typeface="Calibri" panose="020F0502020204030204" pitchFamily="34" charset="0"/>
+              </a:rPr>
+              <a:t> Medicine Unlocked, 19:100341, 2020.</a:t>
+            </a:r>
+          </a:p>
+          <a:p>
+            <a:r>
+              <a:rPr lang="en-GB" sz="1800" dirty="0">
+                <a:latin typeface="Calibri" panose="020F0502020204030204" pitchFamily="34" charset="0"/>
+              </a:rPr>
+              <a:t>[3]  Charlotte Burmeister. Capsule networks - better </a:t>
+            </a:r>
+            <a:r>
+              <a:rPr lang="en-GB" sz="1800" dirty="0" err="1">
+                <a:latin typeface="Calibri" panose="020F0502020204030204" pitchFamily="34" charset="0"/>
+              </a:rPr>
+              <a:t>cnns</a:t>
+            </a:r>
+            <a:r>
+              <a:rPr lang="en-GB" sz="1800" dirty="0">
+                <a:latin typeface="Calibri" panose="020F0502020204030204" pitchFamily="34" charset="0"/>
+              </a:rPr>
+              <a:t>?, Jan 2020.</a:t>
+            </a:r>
+          </a:p>
+          <a:p>
+            <a:r>
+              <a:rPr lang="en-GB" sz="1800" dirty="0">
+                <a:latin typeface="Calibri" panose="020F0502020204030204" pitchFamily="34" charset="0"/>
+              </a:rPr>
+              <a:t>[4]  Geoffrey E Hinton, Sara </a:t>
+            </a:r>
+            <a:r>
+              <a:rPr lang="en-GB" sz="1800" dirty="0" err="1">
+                <a:latin typeface="Calibri" panose="020F0502020204030204" pitchFamily="34" charset="0"/>
+              </a:rPr>
+              <a:t>Sabour</a:t>
+            </a:r>
+            <a:r>
+              <a:rPr lang="en-GB" sz="1800" dirty="0">
+                <a:latin typeface="Calibri" panose="020F0502020204030204" pitchFamily="34" charset="0"/>
+              </a:rPr>
+              <a:t>, and Nicholas </a:t>
+            </a:r>
+            <a:r>
+              <a:rPr lang="en-GB" sz="1800" dirty="0" err="1">
+                <a:latin typeface="Calibri" panose="020F0502020204030204" pitchFamily="34" charset="0"/>
+              </a:rPr>
+              <a:t>Frosst</a:t>
+            </a:r>
+            <a:r>
+              <a:rPr lang="en-GB" sz="1800" dirty="0">
+                <a:latin typeface="Calibri" panose="020F0502020204030204" pitchFamily="34" charset="0"/>
+              </a:rPr>
+              <a:t>.  Matrix capsules with </a:t>
+            </a:r>
+            <a:r>
+              <a:rPr lang="en-GB" sz="1800" dirty="0" err="1">
+                <a:latin typeface="Calibri" panose="020F0502020204030204" pitchFamily="34" charset="0"/>
+              </a:rPr>
+              <a:t>em</a:t>
+            </a:r>
+            <a:r>
+              <a:rPr lang="en-GB" sz="1800" dirty="0">
+                <a:latin typeface="Calibri" panose="020F0502020204030204" pitchFamily="34" charset="0"/>
+              </a:rPr>
+              <a:t> routing.  </a:t>
+            </a:r>
+            <a:r>
+              <a:rPr lang="en-GB" sz="1800" dirty="0" err="1">
+                <a:latin typeface="Calibri" panose="020F0502020204030204" pitchFamily="34" charset="0"/>
+              </a:rPr>
+              <a:t>InInternational</a:t>
+            </a:r>
+            <a:r>
+              <a:rPr lang="en-GB" sz="1800" dirty="0">
+                <a:latin typeface="Calibri" panose="020F0502020204030204" pitchFamily="34" charset="0"/>
+              </a:rPr>
+              <a:t> conference on learning representations, 2018.</a:t>
+            </a:r>
+          </a:p>
+          <a:p>
+            <a:r>
+              <a:rPr lang="en" sz="1800" dirty="0">
+                <a:latin typeface="Calibri" panose="020F0502020204030204" pitchFamily="34" charset="0"/>
+              </a:rPr>
+              <a:t>[</a:t>
+            </a:r>
+            <a:r>
+              <a:rPr lang="en-GB" sz="1800" dirty="0">
+                <a:latin typeface="Calibri" panose="020F0502020204030204" pitchFamily="34" charset="0"/>
+              </a:rPr>
+              <a:t>5]  </a:t>
+            </a:r>
+            <a:r>
+              <a:rPr lang="en-GB" sz="1800" dirty="0" err="1">
+                <a:latin typeface="Calibri" panose="020F0502020204030204" pitchFamily="34" charset="0"/>
+              </a:rPr>
+              <a:t>Kamyar</a:t>
+            </a:r>
+            <a:r>
+              <a:rPr lang="en-GB" sz="1800" dirty="0">
+                <a:latin typeface="Calibri" panose="020F0502020204030204" pitchFamily="34" charset="0"/>
+              </a:rPr>
+              <a:t> </a:t>
+            </a:r>
+            <a:r>
+              <a:rPr lang="en-GB" sz="1800" dirty="0" err="1">
+                <a:latin typeface="Calibri" panose="020F0502020204030204" pitchFamily="34" charset="0"/>
+              </a:rPr>
+              <a:t>Nazeri</a:t>
+            </a:r>
+            <a:r>
+              <a:rPr lang="en-GB" sz="1800" dirty="0">
+                <a:latin typeface="Calibri" panose="020F0502020204030204" pitchFamily="34" charset="0"/>
+              </a:rPr>
+              <a:t>,  Azad </a:t>
+            </a:r>
+            <a:r>
+              <a:rPr lang="en-GB" sz="1800" dirty="0" err="1">
+                <a:latin typeface="Calibri" panose="020F0502020204030204" pitchFamily="34" charset="0"/>
+              </a:rPr>
+              <a:t>Aminpour</a:t>
+            </a:r>
+            <a:r>
+              <a:rPr lang="en-GB" sz="1800" dirty="0">
+                <a:latin typeface="Calibri" panose="020F0502020204030204" pitchFamily="34" charset="0"/>
+              </a:rPr>
+              <a:t>,  and Mehran Ebrahimi.   Two-stage convolutional neural network for breast cancer histology image classification. International Conference Image Analysis and Recognition, pages 717–726. Springer, 2018.</a:t>
+            </a:r>
+          </a:p>
+          <a:p>
+            <a:r>
+              <a:rPr lang="en-GB" sz="1800" dirty="0">
+                <a:latin typeface="Calibri" panose="020F0502020204030204" pitchFamily="34" charset="0"/>
+              </a:rPr>
+              <a:t>[6]  Sara </a:t>
+            </a:r>
+            <a:r>
+              <a:rPr lang="en-GB" sz="1800" dirty="0" err="1">
+                <a:latin typeface="Calibri" panose="020F0502020204030204" pitchFamily="34" charset="0"/>
+              </a:rPr>
+              <a:t>Sabour</a:t>
+            </a:r>
+            <a:r>
+              <a:rPr lang="en-GB" sz="1800" dirty="0">
+                <a:latin typeface="Calibri" panose="020F0502020204030204" pitchFamily="34" charset="0"/>
+              </a:rPr>
+              <a:t>, Nicholas </a:t>
+            </a:r>
+            <a:r>
+              <a:rPr lang="en-GB" sz="1800" dirty="0" err="1">
+                <a:latin typeface="Calibri" panose="020F0502020204030204" pitchFamily="34" charset="0"/>
+              </a:rPr>
+              <a:t>Frosst</a:t>
+            </a:r>
+            <a:r>
+              <a:rPr lang="en-GB" sz="1800" dirty="0">
+                <a:latin typeface="Calibri" panose="020F0502020204030204" pitchFamily="34" charset="0"/>
+              </a:rPr>
+              <a:t>, and Geoffrey E Hinton.  Dynamic routing between capsules. </a:t>
+            </a:r>
+            <a:r>
+              <a:rPr lang="en-GB" sz="1800" dirty="0" err="1">
+                <a:latin typeface="Calibri" panose="020F0502020204030204" pitchFamily="34" charset="0"/>
+              </a:rPr>
+              <a:t>arXiv</a:t>
+            </a:r>
+            <a:r>
+              <a:rPr lang="en-GB" sz="1800" dirty="0">
+                <a:latin typeface="Calibri" panose="020F0502020204030204" pitchFamily="34" charset="0"/>
+              </a:rPr>
+              <a:t> preprint arXiv:1710.09829, 2017.</a:t>
+            </a:r>
+          </a:p>
+          <a:p>
+            <a:r>
+              <a:rPr lang="en-GB" sz="1800" dirty="0">
+                <a:latin typeface="Calibri" panose="020F0502020204030204" pitchFamily="34" charset="0"/>
+              </a:rPr>
+              <a:t>[7]  Sara </a:t>
+            </a:r>
+            <a:r>
+              <a:rPr lang="en-GB" sz="1800" dirty="0" err="1">
+                <a:latin typeface="Calibri" panose="020F0502020204030204" pitchFamily="34" charset="0"/>
+              </a:rPr>
+              <a:t>Sabour</a:t>
+            </a:r>
+            <a:r>
+              <a:rPr lang="en-GB" sz="1800" dirty="0">
+                <a:latin typeface="Calibri" panose="020F0502020204030204" pitchFamily="34" charset="0"/>
+              </a:rPr>
+              <a:t>, et al. Unsupervised part representation by flow capsules. </a:t>
+            </a:r>
+            <a:r>
+              <a:rPr lang="en-GB" sz="1800" dirty="0" err="1">
+                <a:latin typeface="Calibri" panose="020F0502020204030204" pitchFamily="34" charset="0"/>
+              </a:rPr>
+              <a:t>arXiv</a:t>
+            </a:r>
+            <a:r>
+              <a:rPr lang="en-GB" sz="1800" dirty="0">
+                <a:latin typeface="Calibri" panose="020F0502020204030204" pitchFamily="34" charset="0"/>
+              </a:rPr>
+              <a:t> preprint arXiv:2011.13920, 2020.</a:t>
+            </a:r>
+          </a:p>
+          <a:p>
+            <a:r>
+              <a:rPr lang="en-GB" sz="1800" dirty="0">
+                <a:latin typeface="Calibri" panose="020F0502020204030204" pitchFamily="34" charset="0"/>
+              </a:rPr>
+              <a:t>[8]  Fabio A </a:t>
+            </a:r>
+            <a:r>
+              <a:rPr lang="en-GB" sz="1800" dirty="0" err="1">
+                <a:latin typeface="Calibri" panose="020F0502020204030204" pitchFamily="34" charset="0"/>
+              </a:rPr>
+              <a:t>Spanhol</a:t>
+            </a:r>
+            <a:r>
+              <a:rPr lang="en-GB" sz="1800" dirty="0">
+                <a:latin typeface="Calibri" panose="020F0502020204030204" pitchFamily="34" charset="0"/>
+              </a:rPr>
+              <a:t>, et al.   A dataset for breast cancer histopathological image classification. </a:t>
+            </a:r>
+            <a:r>
+              <a:rPr lang="en-GB" sz="1800" dirty="0" err="1">
+                <a:latin typeface="Calibri" panose="020F0502020204030204" pitchFamily="34" charset="0"/>
+              </a:rPr>
+              <a:t>Ieee</a:t>
+            </a:r>
+            <a:r>
+              <a:rPr lang="en-GB" sz="1800" dirty="0">
+                <a:latin typeface="Calibri" panose="020F0502020204030204" pitchFamily="34" charset="0"/>
+              </a:rPr>
+              <a:t> transactions on biomedical engineering, 63(7):1455–1462, 2015</a:t>
+            </a:r>
+          </a:p>
+          <a:p>
+            <a:endParaRPr lang="en" sz="1800" dirty="0">
+              <a:latin typeface="Calibri" panose="020F0502020204030204" pitchFamily="34" charset="0"/>
+            </a:endParaRPr>
+          </a:p>
+        </p:txBody>
+      </p:sp>
     </p:spTree>
     <p:extLst>
       <p:ext uri="{BB962C8B-B14F-4D97-AF65-F5344CB8AC3E}">
@@ -6098,4 +7117,299 @@
     </a:ext>
   </a:extLst>
 </a:theme>
+</file>
+
+<file path=ppt/theme/theme2.xml><?xml version="1.0" encoding="utf-8"?>
+<a:theme xmlns:a="http://schemas.openxmlformats.org/drawingml/2006/main" name="Office Theme">
+  <a:themeElements>
+    <a:clrScheme name="Office">
+      <a:dk1>
+        <a:sysClr val="windowText" lastClr="000000"/>
+      </a:dk1>
+      <a:lt1>
+        <a:sysClr val="window" lastClr="FFFFFF"/>
+      </a:lt1>
+      <a:dk2>
+        <a:srgbClr val="44546A"/>
+      </a:dk2>
+      <a:lt2>
+        <a:srgbClr val="E7E6E6"/>
+      </a:lt2>
+      <a:accent1>
+        <a:srgbClr val="4472C4"/>
+      </a:accent1>
+      <a:accent2>
+        <a:srgbClr val="ED7D31"/>
+      </a:accent2>
+      <a:accent3>
+        <a:srgbClr val="A5A5A5"/>
+      </a:accent3>
+      <a:accent4>
+        <a:srgbClr val="FFC000"/>
+      </a:accent4>
+      <a:accent5>
+        <a:srgbClr val="5B9BD5"/>
+      </a:accent5>
+      <a:accent6>
+        <a:srgbClr val="70AD47"/>
+      </a:accent6>
+      <a:hlink>
+        <a:srgbClr val="0563C1"/>
+      </a:hlink>
+      <a:folHlink>
+        <a:srgbClr val="954F72"/>
+      </a:folHlink>
+    </a:clrScheme>
+    <a:fontScheme name="Office">
+      <a:majorFont>
+        <a:latin typeface="Calibri Light" panose="020F0302020204030204"/>
+        <a:ea typeface=""/>
+        <a:cs typeface=""/>
+        <a:font script="Jpan" typeface="游ゴシック Light"/>
+        <a:font script="Hang" typeface="맑은 고딕"/>
+        <a:font script="Hans" typeface="等线 Light"/>
+        <a:font script="Hant" typeface="新細明體"/>
+        <a:font script="Arab" typeface="Times New Roman"/>
+        <a:font script="Hebr" typeface="Times New Roman"/>
+        <a:font script="Thai" typeface="Angsana New"/>
+        <a:font script="Ethi" typeface="Nyala"/>
+        <a:font script="Beng" typeface="Vrinda"/>
+        <a:font script="Gujr" typeface="Shruti"/>
+        <a:font script="Khmr" typeface="MoolBoran"/>
+        <a:font script="Knda" typeface="Tunga"/>
+        <a:font script="Guru" typeface="Raavi"/>
+        <a:font script="Cans" typeface="Euphemia"/>
+        <a:font script="Cher" typeface="Plantagenet Cherokee"/>
+        <a:font script="Yiii" typeface="Microsoft Yi Baiti"/>
+        <a:font script="Tibt" typeface="Microsoft Himalaya"/>
+        <a:font script="Thaa" typeface="MV Boli"/>
+        <a:font script="Deva" typeface="Mangal"/>
+        <a:font script="Telu" typeface="Gautami"/>
+        <a:font script="Taml" typeface="Latha"/>
+        <a:font script="Syrc" typeface="Estrangelo Edessa"/>
+        <a:font script="Orya" typeface="Kalinga"/>
+        <a:font script="Mlym" typeface="Kartika"/>
+        <a:font script="Laoo" typeface="DokChampa"/>
+        <a:font script="Sinh" typeface="Iskoola Pota"/>
+        <a:font script="Mong" typeface="Mongolian Baiti"/>
+        <a:font script="Viet" typeface="Times New Roman"/>
+        <a:font script="Uigh" typeface="Microsoft Uighur"/>
+        <a:font script="Geor" typeface="Sylfaen"/>
+        <a:font script="Armn" typeface="Arial"/>
+        <a:font script="Bugi" typeface="Leelawadee UI"/>
+        <a:font script="Bopo" typeface="Microsoft JhengHei"/>
+        <a:font script="Java" typeface="Javanese Text"/>
+        <a:font script="Lisu" typeface="Segoe UI"/>
+        <a:font script="Mymr" typeface="Myanmar Text"/>
+        <a:font script="Nkoo" typeface="Ebrima"/>
+        <a:font script="Olck" typeface="Nirmala UI"/>
+        <a:font script="Osma" typeface="Ebrima"/>
+        <a:font script="Phag" typeface="Phagspa"/>
+        <a:font script="Syrn" typeface="Estrangelo Edessa"/>
+        <a:font script="Syrj" typeface="Estrangelo Edessa"/>
+        <a:font script="Syre" typeface="Estrangelo Edessa"/>
+        <a:font script="Sora" typeface="Nirmala UI"/>
+        <a:font script="Tale" typeface="Microsoft Tai Le"/>
+        <a:font script="Talu" typeface="Microsoft New Tai Lue"/>
+        <a:font script="Tfng" typeface="Ebrima"/>
+      </a:majorFont>
+      <a:minorFont>
+        <a:latin typeface="Calibri" panose="020F0502020204030204"/>
+        <a:ea typeface=""/>
+        <a:cs typeface=""/>
+        <a:font script="Jpan" typeface="游ゴシック"/>
+        <a:font script="Hang" typeface="맑은 고딕"/>
+        <a:font script="Hans" typeface="等线"/>
+        <a:font script="Hant" typeface="新細明體"/>
+        <a:font script="Arab" typeface="Arial"/>
+        <a:font script="Hebr" typeface="Arial"/>
+        <a:font script="Thai" typeface="Cordia New"/>
+        <a:font script="Ethi" typeface="Nyala"/>
+        <a:font script="Beng" typeface="Vrinda"/>
+        <a:font script="Gujr" typeface="Shruti"/>
+        <a:font script="Khmr" typeface="DaunPenh"/>
+        <a:font script="Knda" typeface="Tunga"/>
+        <a:font script="Guru" typeface="Raavi"/>
+        <a:font script="Cans" typeface="Euphemia"/>
+        <a:font script="Cher" typeface="Plantagenet Cherokee"/>
+        <a:font script="Yiii" typeface="Microsoft Yi Baiti"/>
+        <a:font script="Tibt" typeface="Microsoft Himalaya"/>
+        <a:font script="Thaa" typeface="MV Boli"/>
+        <a:font script="Deva" typeface="Mangal"/>
+        <a:font script="Telu" typeface="Gautami"/>
+        <a:font script="Taml" typeface="Latha"/>
+        <a:font script="Syrc" typeface="Estrangelo Edessa"/>
+        <a:font script="Orya" typeface="Kalinga"/>
+        <a:font script="Mlym" typeface="Kartika"/>
+        <a:font script="Laoo" typeface="DokChampa"/>
+        <a:font script="Sinh" typeface="Iskoola Pota"/>
+        <a:font script="Mong" typeface="Mongolian Baiti"/>
+        <a:font script="Viet" typeface="Arial"/>
+        <a:font script="Uigh" typeface="Microsoft Uighur"/>
+        <a:font script="Geor" typeface="Sylfaen"/>
+        <a:font script="Armn" typeface="Arial"/>
+        <a:font script="Bugi" typeface="Leelawadee UI"/>
+        <a:font script="Bopo" typeface="Microsoft JhengHei"/>
+        <a:font script="Java" typeface="Javanese Text"/>
+        <a:font script="Lisu" typeface="Segoe UI"/>
+        <a:font script="Mymr" typeface="Myanmar Text"/>
+        <a:font script="Nkoo" typeface="Ebrima"/>
+        <a:font script="Olck" typeface="Nirmala UI"/>
+        <a:font script="Osma" typeface="Ebrima"/>
+        <a:font script="Phag" typeface="Phagspa"/>
+        <a:font script="Syrn" typeface="Estrangelo Edessa"/>
+        <a:font script="Syrj" typeface="Estrangelo Edessa"/>
+        <a:font script="Syre" typeface="Estrangelo Edessa"/>
+        <a:font script="Sora" typeface="Nirmala UI"/>
+        <a:font script="Tale" typeface="Microsoft Tai Le"/>
+        <a:font script="Talu" typeface="Microsoft New Tai Lue"/>
+        <a:font script="Tfng" typeface="Ebrima"/>
+      </a:minorFont>
+    </a:fontScheme>
+    <a:fmtScheme name="Office">
+      <a:fillStyleLst>
+        <a:solidFill>
+          <a:schemeClr val="phClr"/>
+        </a:solidFill>
+        <a:gradFill rotWithShape="1">
+          <a:gsLst>
+            <a:gs pos="0">
+              <a:schemeClr val="phClr">
+                <a:lumMod val="110000"/>
+                <a:satMod val="105000"/>
+                <a:tint val="67000"/>
+              </a:schemeClr>
+            </a:gs>
+            <a:gs pos="50000">
+              <a:schemeClr val="phClr">
+                <a:lumMod val="105000"/>
+                <a:satMod val="103000"/>
+                <a:tint val="73000"/>
+              </a:schemeClr>
+            </a:gs>
+            <a:gs pos="100000">
+              <a:schemeClr val="phClr">
+                <a:lumMod val="105000"/>
+                <a:satMod val="109000"/>
+                <a:tint val="81000"/>
+              </a:schemeClr>
+            </a:gs>
+          </a:gsLst>
+          <a:lin ang="5400000" scaled="0"/>
+        </a:gradFill>
+        <a:gradFill rotWithShape="1">
+          <a:gsLst>
+            <a:gs pos="0">
+              <a:schemeClr val="phClr">
+                <a:satMod val="103000"/>
+                <a:lumMod val="102000"/>
+                <a:tint val="94000"/>
+              </a:schemeClr>
+            </a:gs>
+            <a:gs pos="50000">
+              <a:schemeClr val="phClr">
+                <a:satMod val="110000"/>
+                <a:lumMod val="100000"/>
+                <a:shade val="100000"/>
+              </a:schemeClr>
+            </a:gs>
+            <a:gs pos="100000">
+              <a:schemeClr val="phClr">
+                <a:lumMod val="99000"/>
+                <a:satMod val="120000"/>
+                <a:shade val="78000"/>
+              </a:schemeClr>
+            </a:gs>
+          </a:gsLst>
+          <a:lin ang="5400000" scaled="0"/>
+        </a:gradFill>
+      </a:fillStyleLst>
+      <a:lnStyleLst>
+        <a:ln w="6350" cap="flat" cmpd="sng" algn="ctr">
+          <a:solidFill>
+            <a:schemeClr val="phClr"/>
+          </a:solidFill>
+          <a:prstDash val="solid"/>
+          <a:miter lim="800000"/>
+        </a:ln>
+        <a:ln w="12700" cap="flat" cmpd="sng" algn="ctr">
+          <a:solidFill>
+            <a:schemeClr val="phClr"/>
+          </a:solidFill>
+          <a:prstDash val="solid"/>
+          <a:miter lim="800000"/>
+        </a:ln>
+        <a:ln w="19050" cap="flat" cmpd="sng" algn="ctr">
+          <a:solidFill>
+            <a:schemeClr val="phClr"/>
+          </a:solidFill>
+          <a:prstDash val="solid"/>
+          <a:miter lim="800000"/>
+        </a:ln>
+      </a:lnStyleLst>
+      <a:effectStyleLst>
+        <a:effectStyle>
+          <a:effectLst/>
+        </a:effectStyle>
+        <a:effectStyle>
+          <a:effectLst/>
+        </a:effectStyle>
+        <a:effectStyle>
+          <a:effectLst>
+            <a:outerShdw blurRad="57150" dist="19050" dir="5400000" algn="ctr" rotWithShape="0">
+              <a:srgbClr val="000000">
+                <a:alpha val="63000"/>
+              </a:srgbClr>
+            </a:outerShdw>
+          </a:effectLst>
+        </a:effectStyle>
+      </a:effectStyleLst>
+      <a:bgFillStyleLst>
+        <a:solidFill>
+          <a:schemeClr val="phClr"/>
+        </a:solidFill>
+        <a:solidFill>
+          <a:schemeClr val="phClr">
+            <a:tint val="95000"/>
+            <a:satMod val="170000"/>
+          </a:schemeClr>
+        </a:solidFill>
+        <a:gradFill rotWithShape="1">
+          <a:gsLst>
+            <a:gs pos="0">
+              <a:schemeClr val="phClr">
+                <a:tint val="93000"/>
+                <a:satMod val="150000"/>
+                <a:shade val="98000"/>
+                <a:lumMod val="102000"/>
+              </a:schemeClr>
+            </a:gs>
+            <a:gs pos="50000">
+              <a:schemeClr val="phClr">
+                <a:tint val="98000"/>
+                <a:satMod val="130000"/>
+                <a:shade val="90000"/>
+                <a:lumMod val="103000"/>
+              </a:schemeClr>
+            </a:gs>
+            <a:gs pos="100000">
+              <a:schemeClr val="phClr">
+                <a:shade val="63000"/>
+                <a:satMod val="120000"/>
+              </a:schemeClr>
+            </a:gs>
+          </a:gsLst>
+          <a:lin ang="5400000" scaled="0"/>
+        </a:gradFill>
+      </a:bgFillStyleLst>
+    </a:fmtScheme>
+  </a:themeElements>
+  <a:objectDefaults/>
+  <a:extraClrSchemeLst/>
+  <a:extLst>
+    <a:ext uri="{05A4C25C-085E-4340-85A3-A5531E510DB2}">
+      <thm15:themeFamily xmlns:thm15="http://schemas.microsoft.com/office/thememl/2012/main" name="Office Theme" id="{62F939B6-93AF-4DB8-9C6B-D6C7DFDC589F}" vid="{4A3C46E8-61CC-4603-A589-7422A47A8E4A}"/>
+    </a:ext>
+  </a:extLst>
+</a:theme>
 </file>